--- a/Document/报告/一些框图.pptx
+++ b/Document/报告/一些框图.pptx
@@ -104,6 +104,11 @@
       </a:defRPr>
     </a:lvl9pPr>
   </p:defaultTextStyle>
+  <p:extLst>
+    <p:ext uri="{EFAFB233-063F-42B5-8137-9DF3F51BA10A}">
+      <p15:sldGuideLst xmlns:p15="http://schemas.microsoft.com/office/powerpoint/2012/main"/>
+    </p:ext>
+  </p:extLst>
 </p:presentation>
 </file>
 
@@ -254,7 +259,7 @@
           <a:p>
             <a:fld id="{6E99E1CC-747B-4496-8245-453CA438854A}" type="datetimeFigureOut">
               <a:rPr lang="zh-CN" altLang="en-US" smtClean="0"/>
-              <a:t>2025/11/25</a:t>
+              <a:t>2025/11/26</a:t>
             </a:fld>
             <a:endParaRPr lang="zh-CN" altLang="en-US"/>
           </a:p>
@@ -452,7 +457,7 @@
           <a:p>
             <a:fld id="{6E99E1CC-747B-4496-8245-453CA438854A}" type="datetimeFigureOut">
               <a:rPr lang="zh-CN" altLang="en-US" smtClean="0"/>
-              <a:t>2025/11/25</a:t>
+              <a:t>2025/11/26</a:t>
             </a:fld>
             <a:endParaRPr lang="zh-CN" altLang="en-US"/>
           </a:p>
@@ -660,7 +665,7 @@
           <a:p>
             <a:fld id="{6E99E1CC-747B-4496-8245-453CA438854A}" type="datetimeFigureOut">
               <a:rPr lang="zh-CN" altLang="en-US" smtClean="0"/>
-              <a:t>2025/11/25</a:t>
+              <a:t>2025/11/26</a:t>
             </a:fld>
             <a:endParaRPr lang="zh-CN" altLang="en-US"/>
           </a:p>
@@ -858,7 +863,7 @@
           <a:p>
             <a:fld id="{6E99E1CC-747B-4496-8245-453CA438854A}" type="datetimeFigureOut">
               <a:rPr lang="zh-CN" altLang="en-US" smtClean="0"/>
-              <a:t>2025/11/25</a:t>
+              <a:t>2025/11/26</a:t>
             </a:fld>
             <a:endParaRPr lang="zh-CN" altLang="en-US"/>
           </a:p>
@@ -1133,7 +1138,7 @@
           <a:p>
             <a:fld id="{6E99E1CC-747B-4496-8245-453CA438854A}" type="datetimeFigureOut">
               <a:rPr lang="zh-CN" altLang="en-US" smtClean="0"/>
-              <a:t>2025/11/25</a:t>
+              <a:t>2025/11/26</a:t>
             </a:fld>
             <a:endParaRPr lang="zh-CN" altLang="en-US"/>
           </a:p>
@@ -1398,7 +1403,7 @@
           <a:p>
             <a:fld id="{6E99E1CC-747B-4496-8245-453CA438854A}" type="datetimeFigureOut">
               <a:rPr lang="zh-CN" altLang="en-US" smtClean="0"/>
-              <a:t>2025/11/25</a:t>
+              <a:t>2025/11/26</a:t>
             </a:fld>
             <a:endParaRPr lang="zh-CN" altLang="en-US"/>
           </a:p>
@@ -1810,7 +1815,7 @@
           <a:p>
             <a:fld id="{6E99E1CC-747B-4496-8245-453CA438854A}" type="datetimeFigureOut">
               <a:rPr lang="zh-CN" altLang="en-US" smtClean="0"/>
-              <a:t>2025/11/25</a:t>
+              <a:t>2025/11/26</a:t>
             </a:fld>
             <a:endParaRPr lang="zh-CN" altLang="en-US"/>
           </a:p>
@@ -1951,7 +1956,7 @@
           <a:p>
             <a:fld id="{6E99E1CC-747B-4496-8245-453CA438854A}" type="datetimeFigureOut">
               <a:rPr lang="zh-CN" altLang="en-US" smtClean="0"/>
-              <a:t>2025/11/25</a:t>
+              <a:t>2025/11/26</a:t>
             </a:fld>
             <a:endParaRPr lang="zh-CN" altLang="en-US"/>
           </a:p>
@@ -2064,7 +2069,7 @@
           <a:p>
             <a:fld id="{6E99E1CC-747B-4496-8245-453CA438854A}" type="datetimeFigureOut">
               <a:rPr lang="zh-CN" altLang="en-US" smtClean="0"/>
-              <a:t>2025/11/25</a:t>
+              <a:t>2025/11/26</a:t>
             </a:fld>
             <a:endParaRPr lang="zh-CN" altLang="en-US"/>
           </a:p>
@@ -2375,7 +2380,7 @@
           <a:p>
             <a:fld id="{6E99E1CC-747B-4496-8245-453CA438854A}" type="datetimeFigureOut">
               <a:rPr lang="zh-CN" altLang="en-US" smtClean="0"/>
-              <a:t>2025/11/25</a:t>
+              <a:t>2025/11/26</a:t>
             </a:fld>
             <a:endParaRPr lang="zh-CN" altLang="en-US"/>
           </a:p>
@@ -2663,7 +2668,7 @@
           <a:p>
             <a:fld id="{6E99E1CC-747B-4496-8245-453CA438854A}" type="datetimeFigureOut">
               <a:rPr lang="zh-CN" altLang="en-US" smtClean="0"/>
-              <a:t>2025/11/25</a:t>
+              <a:t>2025/11/26</a:t>
             </a:fld>
             <a:endParaRPr lang="zh-CN" altLang="en-US"/>
           </a:p>
@@ -2904,7 +2909,7 @@
           <a:p>
             <a:fld id="{6E99E1CC-747B-4496-8245-453CA438854A}" type="datetimeFigureOut">
               <a:rPr lang="zh-CN" altLang="en-US" smtClean="0"/>
-              <a:t>2025/11/25</a:t>
+              <a:t>2025/11/26</a:t>
             </a:fld>
             <a:endParaRPr lang="zh-CN" altLang="en-US"/>
           </a:p>
@@ -5645,6 +5650,169 @@
           </a:p>
         </p:txBody>
       </p:sp>
+      <p:cxnSp>
+        <p:nvCxnSpPr>
+          <p:cNvPr id="3" name="直接箭头连接符 2">
+            <a:extLst>
+              <a:ext uri="{FF2B5EF4-FFF2-40B4-BE49-F238E27FC236}">
+                <a16:creationId xmlns:a16="http://schemas.microsoft.com/office/drawing/2014/main" id="{01D81442-5CC0-9372-6E9E-8FA3D25BD285}"/>
+              </a:ext>
+            </a:extLst>
+          </p:cNvPr>
+          <p:cNvCxnSpPr>
+            <a:cxnSpLocks/>
+          </p:cNvCxnSpPr>
+          <p:nvPr/>
+        </p:nvCxnSpPr>
+        <p:spPr>
+          <a:xfrm>
+            <a:off x="780782" y="5920310"/>
+            <a:ext cx="495300" cy="0"/>
+          </a:xfrm>
+          <a:prstGeom prst="straightConnector1">
+            <a:avLst/>
+          </a:prstGeom>
+          <a:ln w="12700">
+            <a:solidFill>
+              <a:schemeClr val="tx1"/>
+            </a:solidFill>
+            <a:tailEnd type="triangle"/>
+          </a:ln>
+        </p:spPr>
+        <p:style>
+          <a:lnRef idx="1">
+            <a:schemeClr val="dk1"/>
+          </a:lnRef>
+          <a:fillRef idx="0">
+            <a:schemeClr val="dk1"/>
+          </a:fillRef>
+          <a:effectRef idx="0">
+            <a:schemeClr val="dk1"/>
+          </a:effectRef>
+          <a:fontRef idx="minor">
+            <a:schemeClr val="tx1"/>
+          </a:fontRef>
+        </p:style>
+      </p:cxnSp>
+      <p:cxnSp>
+        <p:nvCxnSpPr>
+          <p:cNvPr id="5" name="直接箭头连接符 4">
+            <a:extLst>
+              <a:ext uri="{FF2B5EF4-FFF2-40B4-BE49-F238E27FC236}">
+                <a16:creationId xmlns:a16="http://schemas.microsoft.com/office/drawing/2014/main" id="{5197626C-1295-648A-7FE1-B96AAA16A365}"/>
+              </a:ext>
+            </a:extLst>
+          </p:cNvPr>
+          <p:cNvCxnSpPr>
+            <a:cxnSpLocks/>
+          </p:cNvCxnSpPr>
+          <p:nvPr/>
+        </p:nvCxnSpPr>
+        <p:spPr>
+          <a:xfrm>
+            <a:off x="780782" y="6161610"/>
+            <a:ext cx="495300" cy="0"/>
+          </a:xfrm>
+          <a:prstGeom prst="straightConnector1">
+            <a:avLst/>
+          </a:prstGeom>
+          <a:ln w="12700">
+            <a:solidFill>
+              <a:schemeClr val="tx1"/>
+            </a:solidFill>
+            <a:prstDash val="sysDash"/>
+            <a:tailEnd type="triangle"/>
+          </a:ln>
+        </p:spPr>
+        <p:style>
+          <a:lnRef idx="1">
+            <a:schemeClr val="dk1"/>
+          </a:lnRef>
+          <a:fillRef idx="0">
+            <a:schemeClr val="dk1"/>
+          </a:fillRef>
+          <a:effectRef idx="0">
+            <a:schemeClr val="dk1"/>
+          </a:effectRef>
+          <a:fontRef idx="minor">
+            <a:schemeClr val="tx1"/>
+          </a:fontRef>
+        </p:style>
+      </p:cxnSp>
+      <p:sp>
+        <p:nvSpPr>
+          <p:cNvPr id="11" name="文本框 10">
+            <a:extLst>
+              <a:ext uri="{FF2B5EF4-FFF2-40B4-BE49-F238E27FC236}">
+                <a16:creationId xmlns:a16="http://schemas.microsoft.com/office/drawing/2014/main" id="{BBE879DC-B30B-B581-D859-CA8F16C3462D}"/>
+              </a:ext>
+            </a:extLst>
+          </p:cNvPr>
+          <p:cNvSpPr txBox="1"/>
+          <p:nvPr/>
+        </p:nvSpPr>
+        <p:spPr>
+          <a:xfrm>
+            <a:off x="1314316" y="5789505"/>
+            <a:ext cx="491341" cy="261610"/>
+          </a:xfrm>
+          <a:prstGeom prst="rect">
+            <a:avLst/>
+          </a:prstGeom>
+          <a:noFill/>
+        </p:spPr>
+        <p:txBody>
+          <a:bodyPr wrap="square" rtlCol="0">
+            <a:spAutoFit/>
+          </a:bodyPr>
+          <a:lstStyle/>
+          <a:p>
+            <a:r>
+              <a:rPr lang="zh-CN" altLang="en-US" sz="1100" dirty="0">
+                <a:ea typeface="宋体" panose="02010600030101010101" pitchFamily="2" charset="-122"/>
+              </a:rPr>
+              <a:t>控制</a:t>
+            </a:r>
+          </a:p>
+        </p:txBody>
+      </p:sp>
+      <p:sp>
+        <p:nvSpPr>
+          <p:cNvPr id="12" name="文本框 11">
+            <a:extLst>
+              <a:ext uri="{FF2B5EF4-FFF2-40B4-BE49-F238E27FC236}">
+                <a16:creationId xmlns:a16="http://schemas.microsoft.com/office/drawing/2014/main" id="{3E9B1599-4B75-0A9E-5212-150D6464B6E7}"/>
+              </a:ext>
+            </a:extLst>
+          </p:cNvPr>
+          <p:cNvSpPr txBox="1"/>
+          <p:nvPr/>
+        </p:nvSpPr>
+        <p:spPr>
+          <a:xfrm>
+            <a:off x="1314315" y="6030805"/>
+            <a:ext cx="491341" cy="261610"/>
+          </a:xfrm>
+          <a:prstGeom prst="rect">
+            <a:avLst/>
+          </a:prstGeom>
+          <a:noFill/>
+        </p:spPr>
+        <p:txBody>
+          <a:bodyPr wrap="square" rtlCol="0">
+            <a:spAutoFit/>
+          </a:bodyPr>
+          <a:lstStyle/>
+          <a:p>
+            <a:r>
+              <a:rPr lang="zh-CN" altLang="en-US" sz="1100" dirty="0">
+                <a:ea typeface="宋体" panose="02010600030101010101" pitchFamily="2" charset="-122"/>
+              </a:rPr>
+              <a:t>电源</a:t>
+            </a:r>
+          </a:p>
+        </p:txBody>
+      </p:sp>
     </p:spTree>
     <p:extLst>
       <p:ext uri="{BB962C8B-B14F-4D97-AF65-F5344CB8AC3E}">

--- a/Document/报告/一些框图.pptx
+++ b/Document/报告/一些框图.pptx
@@ -6,6 +6,7 @@
   </p:sldMasterIdLst>
   <p:sldIdLst>
     <p:sldId id="256" r:id="rId2"/>
+    <p:sldId id="257" r:id="rId3"/>
   </p:sldIdLst>
   <p:sldSz cx="12192000" cy="6858000"/>
   <p:notesSz cx="6858000" cy="9144000"/>
@@ -259,7 +260,7 @@
           <a:p>
             <a:fld id="{6E99E1CC-747B-4496-8245-453CA438854A}" type="datetimeFigureOut">
               <a:rPr lang="zh-CN" altLang="en-US" smtClean="0"/>
-              <a:t>2025/11/26</a:t>
+              <a:t>2025/11/27</a:t>
             </a:fld>
             <a:endParaRPr lang="zh-CN" altLang="en-US"/>
           </a:p>
@@ -457,7 +458,7 @@
           <a:p>
             <a:fld id="{6E99E1CC-747B-4496-8245-453CA438854A}" type="datetimeFigureOut">
               <a:rPr lang="zh-CN" altLang="en-US" smtClean="0"/>
-              <a:t>2025/11/26</a:t>
+              <a:t>2025/11/27</a:t>
             </a:fld>
             <a:endParaRPr lang="zh-CN" altLang="en-US"/>
           </a:p>
@@ -665,7 +666,7 @@
           <a:p>
             <a:fld id="{6E99E1CC-747B-4496-8245-453CA438854A}" type="datetimeFigureOut">
               <a:rPr lang="zh-CN" altLang="en-US" smtClean="0"/>
-              <a:t>2025/11/26</a:t>
+              <a:t>2025/11/27</a:t>
             </a:fld>
             <a:endParaRPr lang="zh-CN" altLang="en-US"/>
           </a:p>
@@ -863,7 +864,7 @@
           <a:p>
             <a:fld id="{6E99E1CC-747B-4496-8245-453CA438854A}" type="datetimeFigureOut">
               <a:rPr lang="zh-CN" altLang="en-US" smtClean="0"/>
-              <a:t>2025/11/26</a:t>
+              <a:t>2025/11/27</a:t>
             </a:fld>
             <a:endParaRPr lang="zh-CN" altLang="en-US"/>
           </a:p>
@@ -1138,7 +1139,7 @@
           <a:p>
             <a:fld id="{6E99E1CC-747B-4496-8245-453CA438854A}" type="datetimeFigureOut">
               <a:rPr lang="zh-CN" altLang="en-US" smtClean="0"/>
-              <a:t>2025/11/26</a:t>
+              <a:t>2025/11/27</a:t>
             </a:fld>
             <a:endParaRPr lang="zh-CN" altLang="en-US"/>
           </a:p>
@@ -1403,7 +1404,7 @@
           <a:p>
             <a:fld id="{6E99E1CC-747B-4496-8245-453CA438854A}" type="datetimeFigureOut">
               <a:rPr lang="zh-CN" altLang="en-US" smtClean="0"/>
-              <a:t>2025/11/26</a:t>
+              <a:t>2025/11/27</a:t>
             </a:fld>
             <a:endParaRPr lang="zh-CN" altLang="en-US"/>
           </a:p>
@@ -1815,7 +1816,7 @@
           <a:p>
             <a:fld id="{6E99E1CC-747B-4496-8245-453CA438854A}" type="datetimeFigureOut">
               <a:rPr lang="zh-CN" altLang="en-US" smtClean="0"/>
-              <a:t>2025/11/26</a:t>
+              <a:t>2025/11/27</a:t>
             </a:fld>
             <a:endParaRPr lang="zh-CN" altLang="en-US"/>
           </a:p>
@@ -1956,7 +1957,7 @@
           <a:p>
             <a:fld id="{6E99E1CC-747B-4496-8245-453CA438854A}" type="datetimeFigureOut">
               <a:rPr lang="zh-CN" altLang="en-US" smtClean="0"/>
-              <a:t>2025/11/26</a:t>
+              <a:t>2025/11/27</a:t>
             </a:fld>
             <a:endParaRPr lang="zh-CN" altLang="en-US"/>
           </a:p>
@@ -2069,7 +2070,7 @@
           <a:p>
             <a:fld id="{6E99E1CC-747B-4496-8245-453CA438854A}" type="datetimeFigureOut">
               <a:rPr lang="zh-CN" altLang="en-US" smtClean="0"/>
-              <a:t>2025/11/26</a:t>
+              <a:t>2025/11/27</a:t>
             </a:fld>
             <a:endParaRPr lang="zh-CN" altLang="en-US"/>
           </a:p>
@@ -2380,7 +2381,7 @@
           <a:p>
             <a:fld id="{6E99E1CC-747B-4496-8245-453CA438854A}" type="datetimeFigureOut">
               <a:rPr lang="zh-CN" altLang="en-US" smtClean="0"/>
-              <a:t>2025/11/26</a:t>
+              <a:t>2025/11/27</a:t>
             </a:fld>
             <a:endParaRPr lang="zh-CN" altLang="en-US"/>
           </a:p>
@@ -2668,7 +2669,7 @@
           <a:p>
             <a:fld id="{6E99E1CC-747B-4496-8245-453CA438854A}" type="datetimeFigureOut">
               <a:rPr lang="zh-CN" altLang="en-US" smtClean="0"/>
-              <a:t>2025/11/26</a:t>
+              <a:t>2025/11/27</a:t>
             </a:fld>
             <a:endParaRPr lang="zh-CN" altLang="en-US"/>
           </a:p>
@@ -2909,7 +2910,7 @@
           <a:p>
             <a:fld id="{6E99E1CC-747B-4496-8245-453CA438854A}" type="datetimeFigureOut">
               <a:rPr lang="zh-CN" altLang="en-US" smtClean="0"/>
-              <a:t>2025/11/26</a:t>
+              <a:t>2025/11/27</a:t>
             </a:fld>
             <a:endParaRPr lang="zh-CN" altLang="en-US"/>
           </a:p>
@@ -5826,6 +5827,598 @@
 </p:sld>
 </file>
 
+<file path=ppt/slides/slide2.xml><?xml version="1.0" encoding="utf-8"?>
+<p:sld xmlns:a="http://schemas.openxmlformats.org/drawingml/2006/main" xmlns:r="http://schemas.openxmlformats.org/officeDocument/2006/relationships" xmlns:p="http://schemas.openxmlformats.org/presentationml/2006/main">
+  <p:cSld>
+    <p:spTree>
+      <p:nvGrpSpPr>
+        <p:cNvPr id="1" name=""/>
+        <p:cNvGrpSpPr/>
+        <p:nvPr/>
+      </p:nvGrpSpPr>
+      <p:grpSpPr>
+        <a:xfrm>
+          <a:off x="0" y="0"/>
+          <a:ext cx="0" cy="0"/>
+          <a:chOff x="0" y="0"/>
+          <a:chExt cx="0" cy="0"/>
+        </a:xfrm>
+      </p:grpSpPr>
+      <p:sp>
+        <p:nvSpPr>
+          <p:cNvPr id="5" name="矩形: 圆角 4">
+            <a:extLst>
+              <a:ext uri="{FF2B5EF4-FFF2-40B4-BE49-F238E27FC236}">
+                <a16:creationId xmlns:a16="http://schemas.microsoft.com/office/drawing/2014/main" id="{F1746C17-5D04-2B4C-127A-37972CC8CCD6}"/>
+              </a:ext>
+            </a:extLst>
+          </p:cNvPr>
+          <p:cNvSpPr/>
+          <p:nvPr/>
+        </p:nvSpPr>
+        <p:spPr>
+          <a:xfrm>
+            <a:off x="5506638" y="1111250"/>
+            <a:ext cx="1003300" cy="508000"/>
+          </a:xfrm>
+          <a:prstGeom prst="roundRect">
+            <a:avLst/>
+          </a:prstGeom>
+          <a:noFill/>
+          <a:ln w="19050"/>
+        </p:spPr>
+        <p:style>
+          <a:lnRef idx="2">
+            <a:schemeClr val="accent1">
+              <a:shade val="15000"/>
+            </a:schemeClr>
+          </a:lnRef>
+          <a:fillRef idx="1">
+            <a:schemeClr val="accent1"/>
+          </a:fillRef>
+          <a:effectRef idx="0">
+            <a:schemeClr val="accent1"/>
+          </a:effectRef>
+          <a:fontRef idx="minor">
+            <a:schemeClr val="lt1"/>
+          </a:fontRef>
+        </p:style>
+        <p:txBody>
+          <a:bodyPr rtlCol="0" anchor="ctr"/>
+          <a:lstStyle/>
+          <a:p>
+            <a:pPr algn="ctr"/>
+            <a:endParaRPr lang="zh-CN" altLang="en-US">
+              <a:solidFill>
+                <a:schemeClr val="bg1"/>
+              </a:solidFill>
+            </a:endParaRPr>
+          </a:p>
+        </p:txBody>
+      </p:sp>
+      <p:sp>
+        <p:nvSpPr>
+          <p:cNvPr id="6" name="文本框 5">
+            <a:extLst>
+              <a:ext uri="{FF2B5EF4-FFF2-40B4-BE49-F238E27FC236}">
+                <a16:creationId xmlns:a16="http://schemas.microsoft.com/office/drawing/2014/main" id="{81206E92-0001-293B-77C6-5233D58E4EDA}"/>
+              </a:ext>
+            </a:extLst>
+          </p:cNvPr>
+          <p:cNvSpPr txBox="1"/>
+          <p:nvPr/>
+        </p:nvSpPr>
+        <p:spPr>
+          <a:xfrm>
+            <a:off x="5754288" y="1211361"/>
+            <a:ext cx="755650" cy="307777"/>
+          </a:xfrm>
+          <a:prstGeom prst="rect">
+            <a:avLst/>
+          </a:prstGeom>
+          <a:noFill/>
+        </p:spPr>
+        <p:txBody>
+          <a:bodyPr wrap="square" rtlCol="0">
+            <a:spAutoFit/>
+          </a:bodyPr>
+          <a:lstStyle/>
+          <a:p>
+            <a:r>
+              <a:rPr lang="zh-CN" altLang="en-US" sz="1400" dirty="0"/>
+              <a:t>开始</a:t>
+            </a:r>
+          </a:p>
+        </p:txBody>
+      </p:sp>
+      <p:cxnSp>
+        <p:nvCxnSpPr>
+          <p:cNvPr id="8" name="直接箭头连接符 7">
+            <a:extLst>
+              <a:ext uri="{FF2B5EF4-FFF2-40B4-BE49-F238E27FC236}">
+                <a16:creationId xmlns:a16="http://schemas.microsoft.com/office/drawing/2014/main" id="{8A889FCE-F208-20A4-E23A-F279D8919C87}"/>
+              </a:ext>
+            </a:extLst>
+          </p:cNvPr>
+          <p:cNvCxnSpPr>
+            <a:cxnSpLocks/>
+            <a:stCxn id="5" idx="2"/>
+          </p:cNvCxnSpPr>
+          <p:nvPr/>
+        </p:nvCxnSpPr>
+        <p:spPr>
+          <a:xfrm>
+            <a:off x="6008288" y="1619250"/>
+            <a:ext cx="0" cy="342900"/>
+          </a:xfrm>
+          <a:prstGeom prst="straightConnector1">
+            <a:avLst/>
+          </a:prstGeom>
+          <a:ln>
+            <a:tailEnd type="triangle"/>
+          </a:ln>
+        </p:spPr>
+        <p:style>
+          <a:lnRef idx="2">
+            <a:schemeClr val="dk1"/>
+          </a:lnRef>
+          <a:fillRef idx="0">
+            <a:schemeClr val="dk1"/>
+          </a:fillRef>
+          <a:effectRef idx="1">
+            <a:schemeClr val="dk1"/>
+          </a:effectRef>
+          <a:fontRef idx="minor">
+            <a:schemeClr val="tx1"/>
+          </a:fontRef>
+        </p:style>
+      </p:cxnSp>
+      <p:sp>
+        <p:nvSpPr>
+          <p:cNvPr id="11" name="文本框 10">
+            <a:extLst>
+              <a:ext uri="{FF2B5EF4-FFF2-40B4-BE49-F238E27FC236}">
+                <a16:creationId xmlns:a16="http://schemas.microsoft.com/office/drawing/2014/main" id="{ADC8FD3E-6B57-A589-F05B-5C8295BFA765}"/>
+              </a:ext>
+            </a:extLst>
+          </p:cNvPr>
+          <p:cNvSpPr txBox="1"/>
+          <p:nvPr/>
+        </p:nvSpPr>
+        <p:spPr>
+          <a:xfrm>
+            <a:off x="5506638" y="1969988"/>
+            <a:ext cx="1003297" cy="635000"/>
+          </a:xfrm>
+          <a:prstGeom prst="rect">
+            <a:avLst/>
+          </a:prstGeom>
+          <a:noFill/>
+          <a:ln w="19050">
+            <a:solidFill>
+              <a:schemeClr val="tx1"/>
+            </a:solidFill>
+          </a:ln>
+        </p:spPr>
+        <p:txBody>
+          <a:bodyPr wrap="square" rtlCol="0">
+            <a:spAutoFit/>
+          </a:bodyPr>
+          <a:lstStyle/>
+          <a:p>
+            <a:endParaRPr lang="zh-CN" altLang="en-US" dirty="0"/>
+          </a:p>
+        </p:txBody>
+      </p:sp>
+      <p:sp>
+        <p:nvSpPr>
+          <p:cNvPr id="12" name="文本框 11">
+            <a:extLst>
+              <a:ext uri="{FF2B5EF4-FFF2-40B4-BE49-F238E27FC236}">
+                <a16:creationId xmlns:a16="http://schemas.microsoft.com/office/drawing/2014/main" id="{F38E4F04-3FC8-9A2F-5B9C-D688B12C96B8}"/>
+              </a:ext>
+            </a:extLst>
+          </p:cNvPr>
+          <p:cNvSpPr txBox="1"/>
+          <p:nvPr/>
+        </p:nvSpPr>
+        <p:spPr>
+          <a:xfrm>
+            <a:off x="5506638" y="2087433"/>
+            <a:ext cx="931071" cy="400110"/>
+          </a:xfrm>
+          <a:prstGeom prst="rect">
+            <a:avLst/>
+          </a:prstGeom>
+          <a:noFill/>
+        </p:spPr>
+        <p:txBody>
+          <a:bodyPr wrap="square" rtlCol="0">
+            <a:spAutoFit/>
+          </a:bodyPr>
+          <a:lstStyle/>
+          <a:p>
+            <a:pPr algn="ctr"/>
+            <a:r>
+              <a:rPr lang="zh-CN" altLang="en-US" sz="1000" dirty="0"/>
+              <a:t>获取接收机坐标数据</a:t>
+            </a:r>
+          </a:p>
+        </p:txBody>
+      </p:sp>
+      <p:cxnSp>
+        <p:nvCxnSpPr>
+          <p:cNvPr id="15" name="直接箭头连接符 14">
+            <a:extLst>
+              <a:ext uri="{FF2B5EF4-FFF2-40B4-BE49-F238E27FC236}">
+                <a16:creationId xmlns:a16="http://schemas.microsoft.com/office/drawing/2014/main" id="{B6150FE1-01CD-5A33-2DAF-88C59409FB04}"/>
+              </a:ext>
+            </a:extLst>
+          </p:cNvPr>
+          <p:cNvCxnSpPr>
+            <a:cxnSpLocks/>
+          </p:cNvCxnSpPr>
+          <p:nvPr/>
+        </p:nvCxnSpPr>
+        <p:spPr>
+          <a:xfrm>
+            <a:off x="6008288" y="2604988"/>
+            <a:ext cx="0" cy="342900"/>
+          </a:xfrm>
+          <a:prstGeom prst="straightConnector1">
+            <a:avLst/>
+          </a:prstGeom>
+          <a:ln>
+            <a:tailEnd type="triangle"/>
+          </a:ln>
+        </p:spPr>
+        <p:style>
+          <a:lnRef idx="2">
+            <a:schemeClr val="dk1"/>
+          </a:lnRef>
+          <a:fillRef idx="0">
+            <a:schemeClr val="dk1"/>
+          </a:fillRef>
+          <a:effectRef idx="1">
+            <a:schemeClr val="dk1"/>
+          </a:effectRef>
+          <a:fontRef idx="minor">
+            <a:schemeClr val="tx1"/>
+          </a:fontRef>
+        </p:style>
+      </p:cxnSp>
+      <p:sp>
+        <p:nvSpPr>
+          <p:cNvPr id="16" name="文本框 15">
+            <a:extLst>
+              <a:ext uri="{FF2B5EF4-FFF2-40B4-BE49-F238E27FC236}">
+                <a16:creationId xmlns:a16="http://schemas.microsoft.com/office/drawing/2014/main" id="{DF925FBC-2E25-017A-1495-023AB66F0D59}"/>
+              </a:ext>
+            </a:extLst>
+          </p:cNvPr>
+          <p:cNvSpPr txBox="1"/>
+          <p:nvPr/>
+        </p:nvSpPr>
+        <p:spPr>
+          <a:xfrm>
+            <a:off x="5506638" y="2955726"/>
+            <a:ext cx="1003297" cy="635000"/>
+          </a:xfrm>
+          <a:prstGeom prst="rect">
+            <a:avLst/>
+          </a:prstGeom>
+          <a:noFill/>
+          <a:ln w="19050">
+            <a:solidFill>
+              <a:schemeClr val="tx1"/>
+            </a:solidFill>
+          </a:ln>
+        </p:spPr>
+        <p:txBody>
+          <a:bodyPr wrap="square" rtlCol="0">
+            <a:spAutoFit/>
+          </a:bodyPr>
+          <a:lstStyle/>
+          <a:p>
+            <a:endParaRPr lang="zh-CN" altLang="en-US" dirty="0"/>
+          </a:p>
+        </p:txBody>
+      </p:sp>
+      <p:sp>
+        <p:nvSpPr>
+          <p:cNvPr id="17" name="文本框 16">
+            <a:extLst>
+              <a:ext uri="{FF2B5EF4-FFF2-40B4-BE49-F238E27FC236}">
+                <a16:creationId xmlns:a16="http://schemas.microsoft.com/office/drawing/2014/main" id="{D74ACACA-5091-E5E8-F835-2211836ECF61}"/>
+              </a:ext>
+            </a:extLst>
+          </p:cNvPr>
+          <p:cNvSpPr txBox="1"/>
+          <p:nvPr/>
+        </p:nvSpPr>
+        <p:spPr>
+          <a:xfrm>
+            <a:off x="5542750" y="3098571"/>
+            <a:ext cx="931071" cy="400110"/>
+          </a:xfrm>
+          <a:prstGeom prst="rect">
+            <a:avLst/>
+          </a:prstGeom>
+          <a:noFill/>
+        </p:spPr>
+        <p:txBody>
+          <a:bodyPr wrap="square" rtlCol="0">
+            <a:spAutoFit/>
+          </a:bodyPr>
+          <a:lstStyle/>
+          <a:p>
+            <a:pPr algn="ctr"/>
+            <a:r>
+              <a:rPr lang="en-US" altLang="zh-CN" sz="1000" dirty="0"/>
+              <a:t>PID</a:t>
+            </a:r>
+            <a:r>
+              <a:rPr lang="zh-CN" altLang="en-US" sz="1000" dirty="0"/>
+              <a:t>控制器计算</a:t>
+            </a:r>
+          </a:p>
+        </p:txBody>
+      </p:sp>
+      <p:cxnSp>
+        <p:nvCxnSpPr>
+          <p:cNvPr id="18" name="直接箭头连接符 17">
+            <a:extLst>
+              <a:ext uri="{FF2B5EF4-FFF2-40B4-BE49-F238E27FC236}">
+                <a16:creationId xmlns:a16="http://schemas.microsoft.com/office/drawing/2014/main" id="{00D527E6-A9A1-7D42-C3F6-2F93E33D3116}"/>
+              </a:ext>
+            </a:extLst>
+          </p:cNvPr>
+          <p:cNvCxnSpPr>
+            <a:cxnSpLocks/>
+          </p:cNvCxnSpPr>
+          <p:nvPr/>
+        </p:nvCxnSpPr>
+        <p:spPr>
+          <a:xfrm>
+            <a:off x="6008289" y="3590726"/>
+            <a:ext cx="0" cy="342900"/>
+          </a:xfrm>
+          <a:prstGeom prst="straightConnector1">
+            <a:avLst/>
+          </a:prstGeom>
+          <a:ln>
+            <a:tailEnd type="triangle"/>
+          </a:ln>
+        </p:spPr>
+        <p:style>
+          <a:lnRef idx="2">
+            <a:schemeClr val="dk1"/>
+          </a:lnRef>
+          <a:fillRef idx="0">
+            <a:schemeClr val="dk1"/>
+          </a:fillRef>
+          <a:effectRef idx="1">
+            <a:schemeClr val="dk1"/>
+          </a:effectRef>
+          <a:fontRef idx="minor">
+            <a:schemeClr val="tx1"/>
+          </a:fontRef>
+        </p:style>
+      </p:cxnSp>
+      <p:sp>
+        <p:nvSpPr>
+          <p:cNvPr id="19" name="文本框 18">
+            <a:extLst>
+              <a:ext uri="{FF2B5EF4-FFF2-40B4-BE49-F238E27FC236}">
+                <a16:creationId xmlns:a16="http://schemas.microsoft.com/office/drawing/2014/main" id="{5AE46A6F-83C2-BE5A-F7C4-8C696AD49188}"/>
+              </a:ext>
+            </a:extLst>
+          </p:cNvPr>
+          <p:cNvSpPr txBox="1"/>
+          <p:nvPr/>
+        </p:nvSpPr>
+        <p:spPr>
+          <a:xfrm>
+            <a:off x="5506639" y="3941464"/>
+            <a:ext cx="1003297" cy="635000"/>
+          </a:xfrm>
+          <a:prstGeom prst="rect">
+            <a:avLst/>
+          </a:prstGeom>
+          <a:noFill/>
+          <a:ln w="19050">
+            <a:solidFill>
+              <a:schemeClr val="tx1"/>
+            </a:solidFill>
+          </a:ln>
+        </p:spPr>
+        <p:txBody>
+          <a:bodyPr wrap="square" rtlCol="0">
+            <a:spAutoFit/>
+          </a:bodyPr>
+          <a:lstStyle/>
+          <a:p>
+            <a:endParaRPr lang="zh-CN" altLang="en-US" dirty="0"/>
+          </a:p>
+        </p:txBody>
+      </p:sp>
+      <p:sp>
+        <p:nvSpPr>
+          <p:cNvPr id="20" name="文本框 19">
+            <a:extLst>
+              <a:ext uri="{FF2B5EF4-FFF2-40B4-BE49-F238E27FC236}">
+                <a16:creationId xmlns:a16="http://schemas.microsoft.com/office/drawing/2014/main" id="{82F04803-26A2-3E04-0ED4-3EE979A667AA}"/>
+              </a:ext>
+            </a:extLst>
+          </p:cNvPr>
+          <p:cNvSpPr txBox="1"/>
+          <p:nvPr/>
+        </p:nvSpPr>
+        <p:spPr>
+          <a:xfrm>
+            <a:off x="5542751" y="4084309"/>
+            <a:ext cx="931071" cy="400110"/>
+          </a:xfrm>
+          <a:prstGeom prst="rect">
+            <a:avLst/>
+          </a:prstGeom>
+          <a:noFill/>
+        </p:spPr>
+        <p:txBody>
+          <a:bodyPr wrap="square" rtlCol="0">
+            <a:spAutoFit/>
+          </a:bodyPr>
+          <a:lstStyle/>
+          <a:p>
+            <a:pPr algn="ctr"/>
+            <a:r>
+              <a:rPr lang="zh-CN" altLang="en-US" sz="1000" dirty="0"/>
+              <a:t>云台电机控制</a:t>
+            </a:r>
+          </a:p>
+        </p:txBody>
+      </p:sp>
+      <p:sp>
+        <p:nvSpPr>
+          <p:cNvPr id="21" name="矩形: 圆角 20">
+            <a:extLst>
+              <a:ext uri="{FF2B5EF4-FFF2-40B4-BE49-F238E27FC236}">
+                <a16:creationId xmlns:a16="http://schemas.microsoft.com/office/drawing/2014/main" id="{F87BD0A3-20DB-881C-9BEF-8FB7F4B61923}"/>
+              </a:ext>
+            </a:extLst>
+          </p:cNvPr>
+          <p:cNvSpPr/>
+          <p:nvPr/>
+        </p:nvSpPr>
+        <p:spPr>
+          <a:xfrm>
+            <a:off x="5512989" y="4927202"/>
+            <a:ext cx="1003300" cy="508000"/>
+          </a:xfrm>
+          <a:prstGeom prst="roundRect">
+            <a:avLst/>
+          </a:prstGeom>
+          <a:noFill/>
+          <a:ln w="19050"/>
+        </p:spPr>
+        <p:style>
+          <a:lnRef idx="2">
+            <a:schemeClr val="accent1">
+              <a:shade val="15000"/>
+            </a:schemeClr>
+          </a:lnRef>
+          <a:fillRef idx="1">
+            <a:schemeClr val="accent1"/>
+          </a:fillRef>
+          <a:effectRef idx="0">
+            <a:schemeClr val="accent1"/>
+          </a:effectRef>
+          <a:fontRef idx="minor">
+            <a:schemeClr val="lt1"/>
+          </a:fontRef>
+        </p:style>
+        <p:txBody>
+          <a:bodyPr rtlCol="0" anchor="ctr"/>
+          <a:lstStyle/>
+          <a:p>
+            <a:pPr algn="ctr"/>
+            <a:endParaRPr lang="zh-CN" altLang="en-US">
+              <a:solidFill>
+                <a:schemeClr val="bg1"/>
+              </a:solidFill>
+            </a:endParaRPr>
+          </a:p>
+        </p:txBody>
+      </p:sp>
+      <p:sp>
+        <p:nvSpPr>
+          <p:cNvPr id="22" name="文本框 21">
+            <a:extLst>
+              <a:ext uri="{FF2B5EF4-FFF2-40B4-BE49-F238E27FC236}">
+                <a16:creationId xmlns:a16="http://schemas.microsoft.com/office/drawing/2014/main" id="{5AA4B26D-836F-3BE2-A973-7623D377AFB9}"/>
+              </a:ext>
+            </a:extLst>
+          </p:cNvPr>
+          <p:cNvSpPr txBox="1"/>
+          <p:nvPr/>
+        </p:nvSpPr>
+        <p:spPr>
+          <a:xfrm>
+            <a:off x="5718175" y="5027313"/>
+            <a:ext cx="755650" cy="307777"/>
+          </a:xfrm>
+          <a:prstGeom prst="rect">
+            <a:avLst/>
+          </a:prstGeom>
+          <a:noFill/>
+        </p:spPr>
+        <p:txBody>
+          <a:bodyPr wrap="square" rtlCol="0">
+            <a:spAutoFit/>
+          </a:bodyPr>
+          <a:lstStyle/>
+          <a:p>
+            <a:r>
+              <a:rPr lang="zh-CN" altLang="en-US" sz="1400" dirty="0"/>
+              <a:t>结束</a:t>
+            </a:r>
+          </a:p>
+        </p:txBody>
+      </p:sp>
+      <p:cxnSp>
+        <p:nvCxnSpPr>
+          <p:cNvPr id="23" name="直接箭头连接符 22">
+            <a:extLst>
+              <a:ext uri="{FF2B5EF4-FFF2-40B4-BE49-F238E27FC236}">
+                <a16:creationId xmlns:a16="http://schemas.microsoft.com/office/drawing/2014/main" id="{08A39ACA-03D5-B719-1CCC-09509C77C235}"/>
+              </a:ext>
+            </a:extLst>
+          </p:cNvPr>
+          <p:cNvCxnSpPr>
+            <a:cxnSpLocks/>
+          </p:cNvCxnSpPr>
+          <p:nvPr/>
+        </p:nvCxnSpPr>
+        <p:spPr>
+          <a:xfrm>
+            <a:off x="6014639" y="4576464"/>
+            <a:ext cx="0" cy="342900"/>
+          </a:xfrm>
+          <a:prstGeom prst="straightConnector1">
+            <a:avLst/>
+          </a:prstGeom>
+          <a:ln>
+            <a:tailEnd type="triangle"/>
+          </a:ln>
+        </p:spPr>
+        <p:style>
+          <a:lnRef idx="2">
+            <a:schemeClr val="dk1"/>
+          </a:lnRef>
+          <a:fillRef idx="0">
+            <a:schemeClr val="dk1"/>
+          </a:fillRef>
+          <a:effectRef idx="1">
+            <a:schemeClr val="dk1"/>
+          </a:effectRef>
+          <a:fontRef idx="minor">
+            <a:schemeClr val="tx1"/>
+          </a:fontRef>
+        </p:style>
+      </p:cxnSp>
+    </p:spTree>
+    <p:extLst>
+      <p:ext uri="{BB962C8B-B14F-4D97-AF65-F5344CB8AC3E}">
+        <p14:creationId xmlns:p14="http://schemas.microsoft.com/office/powerpoint/2010/main" val="4021855590"/>
+      </p:ext>
+    </p:extLst>
+  </p:cSld>
+  <p:clrMapOvr>
+    <a:masterClrMapping/>
+  </p:clrMapOvr>
+</p:sld>
+</file>
+
 <file path=ppt/theme/theme1.xml><?xml version="1.0" encoding="utf-8"?>
 <a:theme xmlns:a="http://schemas.openxmlformats.org/drawingml/2006/main" name="Office 主题​​">
   <a:themeElements>

--- a/Document/报告/一些框图.pptx
+++ b/Document/报告/一些框图.pptx
@@ -7,6 +7,7 @@
   <p:sldIdLst>
     <p:sldId id="256" r:id="rId2"/>
     <p:sldId id="257" r:id="rId3"/>
+    <p:sldId id="258" r:id="rId4"/>
   </p:sldIdLst>
   <p:sldSz cx="12192000" cy="6858000"/>
   <p:notesSz cx="6858000" cy="9144000"/>
@@ -5858,7 +5859,7 @@
         </p:nvSpPr>
         <p:spPr>
           <a:xfrm>
-            <a:off x="5506638" y="1111250"/>
+            <a:off x="1334688" y="1082675"/>
             <a:ext cx="1003300" cy="508000"/>
           </a:xfrm>
           <a:prstGeom prst="roundRect">
@@ -5910,7 +5911,7 @@
         </p:nvSpPr>
         <p:spPr>
           <a:xfrm>
-            <a:off x="5754288" y="1211361"/>
+            <a:off x="1582338" y="1182786"/>
             <a:ext cx="755650" cy="307777"/>
           </a:xfrm>
           <a:prstGeom prst="rect">
@@ -5948,7 +5949,7 @@
         </p:nvCxnSpPr>
         <p:spPr>
           <a:xfrm>
-            <a:off x="6008288" y="1619250"/>
+            <a:off x="1836338" y="1590675"/>
             <a:ext cx="0" cy="342900"/>
           </a:xfrm>
           <a:prstGeom prst="straightConnector1">
@@ -5987,7 +5988,7 @@
         </p:nvSpPr>
         <p:spPr>
           <a:xfrm>
-            <a:off x="5506638" y="1969988"/>
+            <a:off x="1334688" y="1941413"/>
             <a:ext cx="1003297" cy="635000"/>
           </a:xfrm>
           <a:prstGeom prst="rect">
@@ -6024,7 +6025,7 @@
         </p:nvSpPr>
         <p:spPr>
           <a:xfrm>
-            <a:off x="5506638" y="2087433"/>
+            <a:off x="1334688" y="2058858"/>
             <a:ext cx="931071" cy="400110"/>
           </a:xfrm>
           <a:prstGeom prst="rect">
@@ -6062,7 +6063,7 @@
         </p:nvCxnSpPr>
         <p:spPr>
           <a:xfrm>
-            <a:off x="6008288" y="2604988"/>
+            <a:off x="1836338" y="2576413"/>
             <a:ext cx="0" cy="342900"/>
           </a:xfrm>
           <a:prstGeom prst="straightConnector1">
@@ -6101,7 +6102,7 @@
         </p:nvSpPr>
         <p:spPr>
           <a:xfrm>
-            <a:off x="5506638" y="2955726"/>
+            <a:off x="1334688" y="2927151"/>
             <a:ext cx="1003297" cy="635000"/>
           </a:xfrm>
           <a:prstGeom prst="rect">
@@ -6138,7 +6139,7 @@
         </p:nvSpPr>
         <p:spPr>
           <a:xfrm>
-            <a:off x="5542750" y="3098571"/>
+            <a:off x="1370800" y="3069996"/>
             <a:ext cx="931071" cy="400110"/>
           </a:xfrm>
           <a:prstGeom prst="rect">
@@ -6180,7 +6181,7 @@
         </p:nvCxnSpPr>
         <p:spPr>
           <a:xfrm>
-            <a:off x="6008289" y="3590726"/>
+            <a:off x="1836339" y="3562151"/>
             <a:ext cx="0" cy="342900"/>
           </a:xfrm>
           <a:prstGeom prst="straightConnector1">
@@ -6219,7 +6220,7 @@
         </p:nvSpPr>
         <p:spPr>
           <a:xfrm>
-            <a:off x="5506639" y="3941464"/>
+            <a:off x="1334689" y="3912889"/>
             <a:ext cx="1003297" cy="635000"/>
           </a:xfrm>
           <a:prstGeom prst="rect">
@@ -6256,7 +6257,7 @@
         </p:nvSpPr>
         <p:spPr>
           <a:xfrm>
-            <a:off x="5542751" y="4084309"/>
+            <a:off x="1370801" y="4055734"/>
             <a:ext cx="931071" cy="400110"/>
           </a:xfrm>
           <a:prstGeom prst="rect">
@@ -6292,7 +6293,7 @@
         </p:nvSpPr>
         <p:spPr>
           <a:xfrm>
-            <a:off x="5512989" y="4927202"/>
+            <a:off x="1341039" y="4898627"/>
             <a:ext cx="1003300" cy="508000"/>
           </a:xfrm>
           <a:prstGeom prst="roundRect">
@@ -6344,7 +6345,7 @@
         </p:nvSpPr>
         <p:spPr>
           <a:xfrm>
-            <a:off x="5718175" y="5027313"/>
+            <a:off x="1546225" y="4998738"/>
             <a:ext cx="755650" cy="307777"/>
           </a:xfrm>
           <a:prstGeom prst="rect">
@@ -6381,7 +6382,7 @@
         </p:nvCxnSpPr>
         <p:spPr>
           <a:xfrm>
-            <a:off x="6014639" y="4576464"/>
+            <a:off x="1842689" y="4547889"/>
             <a:ext cx="0" cy="342900"/>
           </a:xfrm>
           <a:prstGeom prst="straightConnector1">
@@ -6406,10 +6407,3884 @@
           </a:fontRef>
         </p:style>
       </p:cxnSp>
+      <p:sp>
+        <p:nvSpPr>
+          <p:cNvPr id="2" name="矩形: 圆角 1">
+            <a:extLst>
+              <a:ext uri="{FF2B5EF4-FFF2-40B4-BE49-F238E27FC236}">
+                <a16:creationId xmlns:a16="http://schemas.microsoft.com/office/drawing/2014/main" id="{FFB86493-7E25-0174-2C0A-3B5AD1199CCD}"/>
+              </a:ext>
+            </a:extLst>
+          </p:cNvPr>
+          <p:cNvSpPr/>
+          <p:nvPr/>
+        </p:nvSpPr>
+        <p:spPr>
+          <a:xfrm>
+            <a:off x="3392088" y="1082675"/>
+            <a:ext cx="1003300" cy="508000"/>
+          </a:xfrm>
+          <a:prstGeom prst="roundRect">
+            <a:avLst/>
+          </a:prstGeom>
+          <a:noFill/>
+          <a:ln w="19050"/>
+        </p:spPr>
+        <p:style>
+          <a:lnRef idx="2">
+            <a:schemeClr val="accent1">
+              <a:shade val="15000"/>
+            </a:schemeClr>
+          </a:lnRef>
+          <a:fillRef idx="1">
+            <a:schemeClr val="accent1"/>
+          </a:fillRef>
+          <a:effectRef idx="0">
+            <a:schemeClr val="accent1"/>
+          </a:effectRef>
+          <a:fontRef idx="minor">
+            <a:schemeClr val="lt1"/>
+          </a:fontRef>
+        </p:style>
+        <p:txBody>
+          <a:bodyPr rtlCol="0" anchor="ctr"/>
+          <a:lstStyle/>
+          <a:p>
+            <a:pPr algn="ctr"/>
+            <a:endParaRPr lang="zh-CN" altLang="en-US">
+              <a:solidFill>
+                <a:schemeClr val="bg1"/>
+              </a:solidFill>
+            </a:endParaRPr>
+          </a:p>
+        </p:txBody>
+      </p:sp>
+      <p:sp>
+        <p:nvSpPr>
+          <p:cNvPr id="3" name="文本框 2">
+            <a:extLst>
+              <a:ext uri="{FF2B5EF4-FFF2-40B4-BE49-F238E27FC236}">
+                <a16:creationId xmlns:a16="http://schemas.microsoft.com/office/drawing/2014/main" id="{A1795047-E86D-58A4-ADFD-885EB57F6A46}"/>
+              </a:ext>
+            </a:extLst>
+          </p:cNvPr>
+          <p:cNvSpPr txBox="1"/>
+          <p:nvPr/>
+        </p:nvSpPr>
+        <p:spPr>
+          <a:xfrm>
+            <a:off x="3639738" y="1182786"/>
+            <a:ext cx="755650" cy="307777"/>
+          </a:xfrm>
+          <a:prstGeom prst="rect">
+            <a:avLst/>
+          </a:prstGeom>
+          <a:noFill/>
+        </p:spPr>
+        <p:txBody>
+          <a:bodyPr wrap="square" rtlCol="0">
+            <a:spAutoFit/>
+          </a:bodyPr>
+          <a:lstStyle/>
+          <a:p>
+            <a:r>
+              <a:rPr lang="zh-CN" altLang="en-US" sz="1400" dirty="0"/>
+              <a:t>开始</a:t>
+            </a:r>
+          </a:p>
+        </p:txBody>
+      </p:sp>
+      <p:cxnSp>
+        <p:nvCxnSpPr>
+          <p:cNvPr id="4" name="直接箭头连接符 3">
+            <a:extLst>
+              <a:ext uri="{FF2B5EF4-FFF2-40B4-BE49-F238E27FC236}">
+                <a16:creationId xmlns:a16="http://schemas.microsoft.com/office/drawing/2014/main" id="{EB0BDBF6-9AD6-6A18-5D56-8D3587E31ECE}"/>
+              </a:ext>
+            </a:extLst>
+          </p:cNvPr>
+          <p:cNvCxnSpPr>
+            <a:cxnSpLocks/>
+            <a:stCxn id="2" idx="2"/>
+          </p:cNvCxnSpPr>
+          <p:nvPr/>
+        </p:nvCxnSpPr>
+        <p:spPr>
+          <a:xfrm>
+            <a:off x="3893738" y="1590675"/>
+            <a:ext cx="0" cy="342900"/>
+          </a:xfrm>
+          <a:prstGeom prst="straightConnector1">
+            <a:avLst/>
+          </a:prstGeom>
+          <a:ln>
+            <a:tailEnd type="triangle"/>
+          </a:ln>
+        </p:spPr>
+        <p:style>
+          <a:lnRef idx="2">
+            <a:schemeClr val="dk1"/>
+          </a:lnRef>
+          <a:fillRef idx="0">
+            <a:schemeClr val="dk1"/>
+          </a:fillRef>
+          <a:effectRef idx="1">
+            <a:schemeClr val="dk1"/>
+          </a:effectRef>
+          <a:fontRef idx="minor">
+            <a:schemeClr val="tx1"/>
+          </a:fontRef>
+        </p:style>
+      </p:cxnSp>
+      <p:sp>
+        <p:nvSpPr>
+          <p:cNvPr id="7" name="文本框 6">
+            <a:extLst>
+              <a:ext uri="{FF2B5EF4-FFF2-40B4-BE49-F238E27FC236}">
+                <a16:creationId xmlns:a16="http://schemas.microsoft.com/office/drawing/2014/main" id="{0D154BD8-0ECE-8B8D-F599-7FCAA60B5A50}"/>
+              </a:ext>
+            </a:extLst>
+          </p:cNvPr>
+          <p:cNvSpPr txBox="1"/>
+          <p:nvPr/>
+        </p:nvSpPr>
+        <p:spPr>
+          <a:xfrm>
+            <a:off x="3392088" y="1941413"/>
+            <a:ext cx="1003297" cy="635000"/>
+          </a:xfrm>
+          <a:prstGeom prst="rect">
+            <a:avLst/>
+          </a:prstGeom>
+          <a:noFill/>
+          <a:ln w="19050">
+            <a:solidFill>
+              <a:schemeClr val="tx1"/>
+            </a:solidFill>
+          </a:ln>
+        </p:spPr>
+        <p:txBody>
+          <a:bodyPr wrap="square" rtlCol="0">
+            <a:spAutoFit/>
+          </a:bodyPr>
+          <a:lstStyle/>
+          <a:p>
+            <a:endParaRPr lang="zh-CN" altLang="en-US" dirty="0"/>
+          </a:p>
+        </p:txBody>
+      </p:sp>
+      <p:sp>
+        <p:nvSpPr>
+          <p:cNvPr id="9" name="文本框 8">
+            <a:extLst>
+              <a:ext uri="{FF2B5EF4-FFF2-40B4-BE49-F238E27FC236}">
+                <a16:creationId xmlns:a16="http://schemas.microsoft.com/office/drawing/2014/main" id="{9438E41B-E7E2-C452-FCA3-7DECBA263A49}"/>
+              </a:ext>
+            </a:extLst>
+          </p:cNvPr>
+          <p:cNvSpPr txBox="1"/>
+          <p:nvPr/>
+        </p:nvSpPr>
+        <p:spPr>
+          <a:xfrm>
+            <a:off x="3392088" y="2058858"/>
+            <a:ext cx="931071" cy="400110"/>
+          </a:xfrm>
+          <a:prstGeom prst="rect">
+            <a:avLst/>
+          </a:prstGeom>
+          <a:noFill/>
+        </p:spPr>
+        <p:txBody>
+          <a:bodyPr wrap="square" rtlCol="0">
+            <a:spAutoFit/>
+          </a:bodyPr>
+          <a:lstStyle/>
+          <a:p>
+            <a:pPr algn="ctr"/>
+            <a:r>
+              <a:rPr lang="zh-CN" altLang="en-US" sz="1000" dirty="0"/>
+              <a:t>获取接收机坐标数据</a:t>
+            </a:r>
+          </a:p>
+        </p:txBody>
+      </p:sp>
+      <p:cxnSp>
+        <p:nvCxnSpPr>
+          <p:cNvPr id="10" name="直接箭头连接符 9">
+            <a:extLst>
+              <a:ext uri="{FF2B5EF4-FFF2-40B4-BE49-F238E27FC236}">
+                <a16:creationId xmlns:a16="http://schemas.microsoft.com/office/drawing/2014/main" id="{A0ABE09E-1D20-720B-A875-8EB4E795B9E3}"/>
+              </a:ext>
+            </a:extLst>
+          </p:cNvPr>
+          <p:cNvCxnSpPr>
+            <a:cxnSpLocks/>
+          </p:cNvCxnSpPr>
+          <p:nvPr/>
+        </p:nvCxnSpPr>
+        <p:spPr>
+          <a:xfrm>
+            <a:off x="3893738" y="2576413"/>
+            <a:ext cx="0" cy="342900"/>
+          </a:xfrm>
+          <a:prstGeom prst="straightConnector1">
+            <a:avLst/>
+          </a:prstGeom>
+          <a:ln>
+            <a:tailEnd type="triangle"/>
+          </a:ln>
+        </p:spPr>
+        <p:style>
+          <a:lnRef idx="2">
+            <a:schemeClr val="dk1"/>
+          </a:lnRef>
+          <a:fillRef idx="0">
+            <a:schemeClr val="dk1"/>
+          </a:fillRef>
+          <a:effectRef idx="1">
+            <a:schemeClr val="dk1"/>
+          </a:effectRef>
+          <a:fontRef idx="minor">
+            <a:schemeClr val="tx1"/>
+          </a:fontRef>
+        </p:style>
+      </p:cxnSp>
+      <p:sp>
+        <p:nvSpPr>
+          <p:cNvPr id="13" name="文本框 12">
+            <a:extLst>
+              <a:ext uri="{FF2B5EF4-FFF2-40B4-BE49-F238E27FC236}">
+                <a16:creationId xmlns:a16="http://schemas.microsoft.com/office/drawing/2014/main" id="{8CE1E0FF-6097-E636-6221-1396437CBF73}"/>
+              </a:ext>
+            </a:extLst>
+          </p:cNvPr>
+          <p:cNvSpPr txBox="1"/>
+          <p:nvPr/>
+        </p:nvSpPr>
+        <p:spPr>
+          <a:xfrm>
+            <a:off x="3392088" y="2927151"/>
+            <a:ext cx="1003297" cy="635000"/>
+          </a:xfrm>
+          <a:prstGeom prst="rect">
+            <a:avLst/>
+          </a:prstGeom>
+          <a:noFill/>
+          <a:ln w="19050">
+            <a:solidFill>
+              <a:schemeClr val="tx1"/>
+            </a:solidFill>
+          </a:ln>
+        </p:spPr>
+        <p:txBody>
+          <a:bodyPr wrap="square" rtlCol="0">
+            <a:spAutoFit/>
+          </a:bodyPr>
+          <a:lstStyle/>
+          <a:p>
+            <a:endParaRPr lang="zh-CN" altLang="en-US" dirty="0"/>
+          </a:p>
+        </p:txBody>
+      </p:sp>
+      <p:sp>
+        <p:nvSpPr>
+          <p:cNvPr id="14" name="文本框 13">
+            <a:extLst>
+              <a:ext uri="{FF2B5EF4-FFF2-40B4-BE49-F238E27FC236}">
+                <a16:creationId xmlns:a16="http://schemas.microsoft.com/office/drawing/2014/main" id="{0ECF7C9C-D3E3-7B4F-11F0-B72BAB6C8726}"/>
+              </a:ext>
+            </a:extLst>
+          </p:cNvPr>
+          <p:cNvSpPr txBox="1"/>
+          <p:nvPr/>
+        </p:nvSpPr>
+        <p:spPr>
+          <a:xfrm>
+            <a:off x="3428200" y="3069996"/>
+            <a:ext cx="931071" cy="400110"/>
+          </a:xfrm>
+          <a:prstGeom prst="rect">
+            <a:avLst/>
+          </a:prstGeom>
+          <a:noFill/>
+        </p:spPr>
+        <p:txBody>
+          <a:bodyPr wrap="square" rtlCol="0">
+            <a:spAutoFit/>
+          </a:bodyPr>
+          <a:lstStyle/>
+          <a:p>
+            <a:pPr algn="ctr"/>
+            <a:r>
+              <a:rPr lang="zh-CN" altLang="en-US" sz="1000" dirty="0"/>
+              <a:t>启动云台</a:t>
+            </a:r>
+            <a:r>
+              <a:rPr lang="en-US" altLang="zh-CN" sz="1000" dirty="0"/>
+              <a:t>PID</a:t>
+            </a:r>
+            <a:r>
+              <a:rPr lang="zh-CN" altLang="en-US" sz="1000" dirty="0"/>
+              <a:t>控制</a:t>
+            </a:r>
+          </a:p>
+        </p:txBody>
+      </p:sp>
+      <p:cxnSp>
+        <p:nvCxnSpPr>
+          <p:cNvPr id="24" name="直接箭头连接符 23">
+            <a:extLst>
+              <a:ext uri="{FF2B5EF4-FFF2-40B4-BE49-F238E27FC236}">
+                <a16:creationId xmlns:a16="http://schemas.microsoft.com/office/drawing/2014/main" id="{2B63EE4F-F980-917A-AD48-1A908492916B}"/>
+              </a:ext>
+            </a:extLst>
+          </p:cNvPr>
+          <p:cNvCxnSpPr>
+            <a:cxnSpLocks/>
+          </p:cNvCxnSpPr>
+          <p:nvPr/>
+        </p:nvCxnSpPr>
+        <p:spPr>
+          <a:xfrm>
+            <a:off x="3893739" y="3562151"/>
+            <a:ext cx="0" cy="342900"/>
+          </a:xfrm>
+          <a:prstGeom prst="straightConnector1">
+            <a:avLst/>
+          </a:prstGeom>
+          <a:ln>
+            <a:tailEnd type="triangle"/>
+          </a:ln>
+        </p:spPr>
+        <p:style>
+          <a:lnRef idx="2">
+            <a:schemeClr val="dk1"/>
+          </a:lnRef>
+          <a:fillRef idx="0">
+            <a:schemeClr val="dk1"/>
+          </a:fillRef>
+          <a:effectRef idx="1">
+            <a:schemeClr val="dk1"/>
+          </a:effectRef>
+          <a:fontRef idx="minor">
+            <a:schemeClr val="tx1"/>
+          </a:fontRef>
+        </p:style>
+      </p:cxnSp>
+      <p:sp>
+        <p:nvSpPr>
+          <p:cNvPr id="27" name="矩形: 圆角 26">
+            <a:extLst>
+              <a:ext uri="{FF2B5EF4-FFF2-40B4-BE49-F238E27FC236}">
+                <a16:creationId xmlns:a16="http://schemas.microsoft.com/office/drawing/2014/main" id="{ECF1ECCE-8EBC-A64D-4292-DC3090A1FBAC}"/>
+              </a:ext>
+            </a:extLst>
+          </p:cNvPr>
+          <p:cNvSpPr/>
+          <p:nvPr/>
+        </p:nvSpPr>
+        <p:spPr>
+          <a:xfrm>
+            <a:off x="3392085" y="5973265"/>
+            <a:ext cx="1003300" cy="508000"/>
+          </a:xfrm>
+          <a:prstGeom prst="roundRect">
+            <a:avLst/>
+          </a:prstGeom>
+          <a:noFill/>
+          <a:ln w="19050"/>
+        </p:spPr>
+        <p:style>
+          <a:lnRef idx="2">
+            <a:schemeClr val="accent1">
+              <a:shade val="15000"/>
+            </a:schemeClr>
+          </a:lnRef>
+          <a:fillRef idx="1">
+            <a:schemeClr val="accent1"/>
+          </a:fillRef>
+          <a:effectRef idx="0">
+            <a:schemeClr val="accent1"/>
+          </a:effectRef>
+          <a:fontRef idx="minor">
+            <a:schemeClr val="lt1"/>
+          </a:fontRef>
+        </p:style>
+        <p:txBody>
+          <a:bodyPr rtlCol="0" anchor="ctr"/>
+          <a:lstStyle/>
+          <a:p>
+            <a:pPr algn="ctr"/>
+            <a:endParaRPr lang="zh-CN" altLang="en-US">
+              <a:solidFill>
+                <a:schemeClr val="bg1"/>
+              </a:solidFill>
+            </a:endParaRPr>
+          </a:p>
+        </p:txBody>
+      </p:sp>
+      <p:sp>
+        <p:nvSpPr>
+          <p:cNvPr id="28" name="文本框 27">
+            <a:extLst>
+              <a:ext uri="{FF2B5EF4-FFF2-40B4-BE49-F238E27FC236}">
+                <a16:creationId xmlns:a16="http://schemas.microsoft.com/office/drawing/2014/main" id="{3372E567-192C-4591-F483-7926A991F6D4}"/>
+              </a:ext>
+            </a:extLst>
+          </p:cNvPr>
+          <p:cNvSpPr txBox="1"/>
+          <p:nvPr/>
+        </p:nvSpPr>
+        <p:spPr>
+          <a:xfrm>
+            <a:off x="3597271" y="6073376"/>
+            <a:ext cx="755650" cy="307777"/>
+          </a:xfrm>
+          <a:prstGeom prst="rect">
+            <a:avLst/>
+          </a:prstGeom>
+          <a:noFill/>
+        </p:spPr>
+        <p:txBody>
+          <a:bodyPr wrap="square" rtlCol="0">
+            <a:spAutoFit/>
+          </a:bodyPr>
+          <a:lstStyle/>
+          <a:p>
+            <a:r>
+              <a:rPr lang="zh-CN" altLang="en-US" sz="1400" dirty="0"/>
+              <a:t>结束</a:t>
+            </a:r>
+          </a:p>
+        </p:txBody>
+      </p:sp>
+      <p:sp>
+        <p:nvSpPr>
+          <p:cNvPr id="30" name="流程图: 决策 29">
+            <a:extLst>
+              <a:ext uri="{FF2B5EF4-FFF2-40B4-BE49-F238E27FC236}">
+                <a16:creationId xmlns:a16="http://schemas.microsoft.com/office/drawing/2014/main" id="{50D100AA-AEE2-E1B0-CF50-46B067EC2EB4}"/>
+              </a:ext>
+            </a:extLst>
+          </p:cNvPr>
+          <p:cNvSpPr/>
+          <p:nvPr/>
+        </p:nvSpPr>
+        <p:spPr>
+          <a:xfrm>
+            <a:off x="3257506" y="3912889"/>
+            <a:ext cx="1272457" cy="739575"/>
+          </a:xfrm>
+          <a:prstGeom prst="flowChartDecision">
+            <a:avLst/>
+          </a:prstGeom>
+          <a:noFill/>
+          <a:ln w="19050"/>
+        </p:spPr>
+        <p:style>
+          <a:lnRef idx="2">
+            <a:schemeClr val="accent1">
+              <a:shade val="15000"/>
+            </a:schemeClr>
+          </a:lnRef>
+          <a:fillRef idx="1">
+            <a:schemeClr val="accent1"/>
+          </a:fillRef>
+          <a:effectRef idx="0">
+            <a:schemeClr val="accent1"/>
+          </a:effectRef>
+          <a:fontRef idx="minor">
+            <a:schemeClr val="lt1"/>
+          </a:fontRef>
+        </p:style>
+        <p:txBody>
+          <a:bodyPr rtlCol="0" anchor="ctr"/>
+          <a:lstStyle/>
+          <a:p>
+            <a:pPr algn="ctr"/>
+            <a:endParaRPr lang="zh-CN" altLang="en-US"/>
+          </a:p>
+        </p:txBody>
+      </p:sp>
+      <p:sp>
+        <p:nvSpPr>
+          <p:cNvPr id="31" name="文本框 30">
+            <a:extLst>
+              <a:ext uri="{FF2B5EF4-FFF2-40B4-BE49-F238E27FC236}">
+                <a16:creationId xmlns:a16="http://schemas.microsoft.com/office/drawing/2014/main" id="{1405125E-401F-38B1-8477-2201ABAFAF24}"/>
+              </a:ext>
+            </a:extLst>
+          </p:cNvPr>
+          <p:cNvSpPr txBox="1"/>
+          <p:nvPr/>
+        </p:nvSpPr>
+        <p:spPr>
+          <a:xfrm>
+            <a:off x="3392088" y="4995364"/>
+            <a:ext cx="1003297" cy="635000"/>
+          </a:xfrm>
+          <a:prstGeom prst="rect">
+            <a:avLst/>
+          </a:prstGeom>
+          <a:noFill/>
+          <a:ln w="19050">
+            <a:solidFill>
+              <a:schemeClr val="tx1"/>
+            </a:solidFill>
+          </a:ln>
+        </p:spPr>
+        <p:txBody>
+          <a:bodyPr wrap="square" rtlCol="0">
+            <a:spAutoFit/>
+          </a:bodyPr>
+          <a:lstStyle/>
+          <a:p>
+            <a:endParaRPr lang="zh-CN" altLang="en-US" dirty="0"/>
+          </a:p>
+        </p:txBody>
+      </p:sp>
+      <p:sp>
+        <p:nvSpPr>
+          <p:cNvPr id="32" name="文本框 31">
+            <a:extLst>
+              <a:ext uri="{FF2B5EF4-FFF2-40B4-BE49-F238E27FC236}">
+                <a16:creationId xmlns:a16="http://schemas.microsoft.com/office/drawing/2014/main" id="{059D9E06-0AB3-57F8-2F2F-077388B16A8B}"/>
+              </a:ext>
+            </a:extLst>
+          </p:cNvPr>
+          <p:cNvSpPr txBox="1"/>
+          <p:nvPr/>
+        </p:nvSpPr>
+        <p:spPr>
+          <a:xfrm>
+            <a:off x="3428200" y="5138209"/>
+            <a:ext cx="931071" cy="246221"/>
+          </a:xfrm>
+          <a:prstGeom prst="rect">
+            <a:avLst/>
+          </a:prstGeom>
+          <a:noFill/>
+        </p:spPr>
+        <p:txBody>
+          <a:bodyPr wrap="square" rtlCol="0">
+            <a:spAutoFit/>
+          </a:bodyPr>
+          <a:lstStyle/>
+          <a:p>
+            <a:pPr algn="ctr"/>
+            <a:r>
+              <a:rPr lang="zh-CN" altLang="en-US" sz="1000" dirty="0"/>
+              <a:t>打开激光</a:t>
+            </a:r>
+          </a:p>
+        </p:txBody>
+      </p:sp>
+      <p:cxnSp>
+        <p:nvCxnSpPr>
+          <p:cNvPr id="33" name="直接箭头连接符 32">
+            <a:extLst>
+              <a:ext uri="{FF2B5EF4-FFF2-40B4-BE49-F238E27FC236}">
+                <a16:creationId xmlns:a16="http://schemas.microsoft.com/office/drawing/2014/main" id="{D7A6426B-399B-F88D-C239-D94A5CD3F923}"/>
+              </a:ext>
+            </a:extLst>
+          </p:cNvPr>
+          <p:cNvCxnSpPr>
+            <a:cxnSpLocks/>
+          </p:cNvCxnSpPr>
+          <p:nvPr/>
+        </p:nvCxnSpPr>
+        <p:spPr>
+          <a:xfrm>
+            <a:off x="3893738" y="4652464"/>
+            <a:ext cx="0" cy="342900"/>
+          </a:xfrm>
+          <a:prstGeom prst="straightConnector1">
+            <a:avLst/>
+          </a:prstGeom>
+          <a:ln>
+            <a:tailEnd type="triangle"/>
+          </a:ln>
+        </p:spPr>
+        <p:style>
+          <a:lnRef idx="2">
+            <a:schemeClr val="dk1"/>
+          </a:lnRef>
+          <a:fillRef idx="0">
+            <a:schemeClr val="dk1"/>
+          </a:fillRef>
+          <a:effectRef idx="1">
+            <a:schemeClr val="dk1"/>
+          </a:effectRef>
+          <a:fontRef idx="minor">
+            <a:schemeClr val="tx1"/>
+          </a:fontRef>
+        </p:style>
+      </p:cxnSp>
+      <p:cxnSp>
+        <p:nvCxnSpPr>
+          <p:cNvPr id="34" name="直接箭头连接符 33">
+            <a:extLst>
+              <a:ext uri="{FF2B5EF4-FFF2-40B4-BE49-F238E27FC236}">
+                <a16:creationId xmlns:a16="http://schemas.microsoft.com/office/drawing/2014/main" id="{F6DA6746-18FA-99E4-EF36-4F6CCDE8A20C}"/>
+              </a:ext>
+            </a:extLst>
+          </p:cNvPr>
+          <p:cNvCxnSpPr>
+            <a:cxnSpLocks/>
+          </p:cNvCxnSpPr>
+          <p:nvPr/>
+        </p:nvCxnSpPr>
+        <p:spPr>
+          <a:xfrm>
+            <a:off x="3893738" y="5630364"/>
+            <a:ext cx="0" cy="342900"/>
+          </a:xfrm>
+          <a:prstGeom prst="straightConnector1">
+            <a:avLst/>
+          </a:prstGeom>
+          <a:ln>
+            <a:tailEnd type="triangle"/>
+          </a:ln>
+        </p:spPr>
+        <p:style>
+          <a:lnRef idx="2">
+            <a:schemeClr val="dk1"/>
+          </a:lnRef>
+          <a:fillRef idx="0">
+            <a:schemeClr val="dk1"/>
+          </a:fillRef>
+          <a:effectRef idx="1">
+            <a:schemeClr val="dk1"/>
+          </a:effectRef>
+          <a:fontRef idx="minor">
+            <a:schemeClr val="tx1"/>
+          </a:fontRef>
+        </p:style>
+      </p:cxnSp>
+      <p:sp>
+        <p:nvSpPr>
+          <p:cNvPr id="35" name="文本框 34">
+            <a:extLst>
+              <a:ext uri="{FF2B5EF4-FFF2-40B4-BE49-F238E27FC236}">
+                <a16:creationId xmlns:a16="http://schemas.microsoft.com/office/drawing/2014/main" id="{766F1E32-C3F4-E238-AB19-9F3C8DBE08E1}"/>
+              </a:ext>
+            </a:extLst>
+          </p:cNvPr>
+          <p:cNvSpPr txBox="1"/>
+          <p:nvPr/>
+        </p:nvSpPr>
+        <p:spPr>
+          <a:xfrm>
+            <a:off x="3418036" y="4101671"/>
+            <a:ext cx="931071" cy="400110"/>
+          </a:xfrm>
+          <a:prstGeom prst="rect">
+            <a:avLst/>
+          </a:prstGeom>
+          <a:noFill/>
+        </p:spPr>
+        <p:txBody>
+          <a:bodyPr wrap="square" rtlCol="0">
+            <a:spAutoFit/>
+          </a:bodyPr>
+          <a:lstStyle/>
+          <a:p>
+            <a:pPr algn="ctr"/>
+            <a:r>
+              <a:rPr lang="zh-CN" altLang="en-US" sz="1000" dirty="0"/>
+              <a:t>误差是否小于设定值</a:t>
+            </a:r>
+          </a:p>
+        </p:txBody>
+      </p:sp>
+      <p:sp>
+        <p:nvSpPr>
+          <p:cNvPr id="36" name="文本框 35">
+            <a:extLst>
+              <a:ext uri="{FF2B5EF4-FFF2-40B4-BE49-F238E27FC236}">
+                <a16:creationId xmlns:a16="http://schemas.microsoft.com/office/drawing/2014/main" id="{25B09650-38F8-B6FB-A287-C82F5C3BC031}"/>
+              </a:ext>
+            </a:extLst>
+          </p:cNvPr>
+          <p:cNvSpPr txBox="1"/>
+          <p:nvPr/>
+        </p:nvSpPr>
+        <p:spPr>
+          <a:xfrm>
+            <a:off x="3552027" y="4644568"/>
+            <a:ext cx="931071" cy="246221"/>
+          </a:xfrm>
+          <a:prstGeom prst="rect">
+            <a:avLst/>
+          </a:prstGeom>
+          <a:noFill/>
+        </p:spPr>
+        <p:txBody>
+          <a:bodyPr wrap="square" rtlCol="0">
+            <a:spAutoFit/>
+          </a:bodyPr>
+          <a:lstStyle/>
+          <a:p>
+            <a:pPr algn="ctr"/>
+            <a:r>
+              <a:rPr lang="zh-CN" altLang="en-US" sz="1000" dirty="0"/>
+              <a:t>是</a:t>
+            </a:r>
+          </a:p>
+        </p:txBody>
+      </p:sp>
+      <p:cxnSp>
+        <p:nvCxnSpPr>
+          <p:cNvPr id="38" name="连接符: 肘形 37">
+            <a:extLst>
+              <a:ext uri="{FF2B5EF4-FFF2-40B4-BE49-F238E27FC236}">
+                <a16:creationId xmlns:a16="http://schemas.microsoft.com/office/drawing/2014/main" id="{89DD1020-E580-B541-7E55-38C43F2505C2}"/>
+              </a:ext>
+            </a:extLst>
+          </p:cNvPr>
+          <p:cNvCxnSpPr>
+            <a:cxnSpLocks/>
+            <a:stCxn id="30" idx="3"/>
+          </p:cNvCxnSpPr>
+          <p:nvPr/>
+        </p:nvCxnSpPr>
+        <p:spPr>
+          <a:xfrm flipH="1" flipV="1">
+            <a:off x="3920128" y="3733601"/>
+            <a:ext cx="609835" cy="549076"/>
+          </a:xfrm>
+          <a:prstGeom prst="bentConnector3">
+            <a:avLst>
+              <a:gd name="adj1" fmla="val -37486"/>
+            </a:avLst>
+          </a:prstGeom>
+          <a:ln w="12700">
+            <a:solidFill>
+              <a:schemeClr val="tx1"/>
+            </a:solidFill>
+            <a:tailEnd type="triangle"/>
+          </a:ln>
+        </p:spPr>
+        <p:style>
+          <a:lnRef idx="1">
+            <a:schemeClr val="accent1"/>
+          </a:lnRef>
+          <a:fillRef idx="0">
+            <a:schemeClr val="accent1"/>
+          </a:fillRef>
+          <a:effectRef idx="0">
+            <a:schemeClr val="accent1"/>
+          </a:effectRef>
+          <a:fontRef idx="minor">
+            <a:schemeClr val="tx1"/>
+          </a:fontRef>
+        </p:style>
+      </p:cxnSp>
+      <p:sp>
+        <p:nvSpPr>
+          <p:cNvPr id="40" name="文本框 39">
+            <a:extLst>
+              <a:ext uri="{FF2B5EF4-FFF2-40B4-BE49-F238E27FC236}">
+                <a16:creationId xmlns:a16="http://schemas.microsoft.com/office/drawing/2014/main" id="{47892C86-FA83-A97A-2758-7C75CEC94E5E}"/>
+              </a:ext>
+            </a:extLst>
+          </p:cNvPr>
+          <p:cNvSpPr txBox="1"/>
+          <p:nvPr/>
+        </p:nvSpPr>
+        <p:spPr>
+          <a:xfrm>
+            <a:off x="4154856" y="4003605"/>
+            <a:ext cx="931071" cy="246221"/>
+          </a:xfrm>
+          <a:prstGeom prst="rect">
+            <a:avLst/>
+          </a:prstGeom>
+          <a:noFill/>
+        </p:spPr>
+        <p:txBody>
+          <a:bodyPr wrap="square" rtlCol="0">
+            <a:spAutoFit/>
+          </a:bodyPr>
+          <a:lstStyle/>
+          <a:p>
+            <a:pPr algn="ctr"/>
+            <a:r>
+              <a:rPr lang="zh-CN" altLang="en-US" sz="1000" dirty="0"/>
+              <a:t>否</a:t>
+            </a:r>
+            <a:endParaRPr lang="en-US" altLang="zh-CN" sz="1000" dirty="0"/>
+          </a:p>
+        </p:txBody>
+      </p:sp>
+      <p:sp>
+        <p:nvSpPr>
+          <p:cNvPr id="41" name="矩形: 圆角 40">
+            <a:extLst>
+              <a:ext uri="{FF2B5EF4-FFF2-40B4-BE49-F238E27FC236}">
+                <a16:creationId xmlns:a16="http://schemas.microsoft.com/office/drawing/2014/main" id="{0EA56149-0CD2-FF4C-98D0-3C16579421DD}"/>
+              </a:ext>
+            </a:extLst>
+          </p:cNvPr>
+          <p:cNvSpPr/>
+          <p:nvPr/>
+        </p:nvSpPr>
+        <p:spPr>
+          <a:xfrm>
+            <a:off x="5610451" y="1082675"/>
+            <a:ext cx="1003300" cy="508000"/>
+          </a:xfrm>
+          <a:prstGeom prst="roundRect">
+            <a:avLst/>
+          </a:prstGeom>
+          <a:noFill/>
+          <a:ln w="19050"/>
+        </p:spPr>
+        <p:style>
+          <a:lnRef idx="2">
+            <a:schemeClr val="accent1">
+              <a:shade val="15000"/>
+            </a:schemeClr>
+          </a:lnRef>
+          <a:fillRef idx="1">
+            <a:schemeClr val="accent1"/>
+          </a:fillRef>
+          <a:effectRef idx="0">
+            <a:schemeClr val="accent1"/>
+          </a:effectRef>
+          <a:fontRef idx="minor">
+            <a:schemeClr val="lt1"/>
+          </a:fontRef>
+        </p:style>
+        <p:txBody>
+          <a:bodyPr rtlCol="0" anchor="ctr"/>
+          <a:lstStyle/>
+          <a:p>
+            <a:pPr algn="ctr"/>
+            <a:endParaRPr lang="zh-CN" altLang="en-US">
+              <a:solidFill>
+                <a:schemeClr val="bg1"/>
+              </a:solidFill>
+            </a:endParaRPr>
+          </a:p>
+        </p:txBody>
+      </p:sp>
+      <p:sp>
+        <p:nvSpPr>
+          <p:cNvPr id="42" name="文本框 41">
+            <a:extLst>
+              <a:ext uri="{FF2B5EF4-FFF2-40B4-BE49-F238E27FC236}">
+                <a16:creationId xmlns:a16="http://schemas.microsoft.com/office/drawing/2014/main" id="{55690AE8-A37C-CCD7-3A71-8924950DC48D}"/>
+              </a:ext>
+            </a:extLst>
+          </p:cNvPr>
+          <p:cNvSpPr txBox="1"/>
+          <p:nvPr/>
+        </p:nvSpPr>
+        <p:spPr>
+          <a:xfrm>
+            <a:off x="5858101" y="1182786"/>
+            <a:ext cx="755650" cy="307777"/>
+          </a:xfrm>
+          <a:prstGeom prst="rect">
+            <a:avLst/>
+          </a:prstGeom>
+          <a:noFill/>
+        </p:spPr>
+        <p:txBody>
+          <a:bodyPr wrap="square" rtlCol="0">
+            <a:spAutoFit/>
+          </a:bodyPr>
+          <a:lstStyle/>
+          <a:p>
+            <a:r>
+              <a:rPr lang="zh-CN" altLang="en-US" sz="1400" dirty="0"/>
+              <a:t>开始</a:t>
+            </a:r>
+          </a:p>
+        </p:txBody>
+      </p:sp>
+      <p:cxnSp>
+        <p:nvCxnSpPr>
+          <p:cNvPr id="43" name="直接箭头连接符 42">
+            <a:extLst>
+              <a:ext uri="{FF2B5EF4-FFF2-40B4-BE49-F238E27FC236}">
+                <a16:creationId xmlns:a16="http://schemas.microsoft.com/office/drawing/2014/main" id="{69B328EB-5157-5DAB-2A95-E0EE19166D80}"/>
+              </a:ext>
+            </a:extLst>
+          </p:cNvPr>
+          <p:cNvCxnSpPr>
+            <a:cxnSpLocks/>
+            <a:stCxn id="41" idx="2"/>
+          </p:cNvCxnSpPr>
+          <p:nvPr/>
+        </p:nvCxnSpPr>
+        <p:spPr>
+          <a:xfrm>
+            <a:off x="6112101" y="1590675"/>
+            <a:ext cx="0" cy="342900"/>
+          </a:xfrm>
+          <a:prstGeom prst="straightConnector1">
+            <a:avLst/>
+          </a:prstGeom>
+          <a:ln>
+            <a:tailEnd type="triangle"/>
+          </a:ln>
+        </p:spPr>
+        <p:style>
+          <a:lnRef idx="2">
+            <a:schemeClr val="dk1"/>
+          </a:lnRef>
+          <a:fillRef idx="0">
+            <a:schemeClr val="dk1"/>
+          </a:fillRef>
+          <a:effectRef idx="1">
+            <a:schemeClr val="dk1"/>
+          </a:effectRef>
+          <a:fontRef idx="minor">
+            <a:schemeClr val="tx1"/>
+          </a:fontRef>
+        </p:style>
+      </p:cxnSp>
+      <p:sp>
+        <p:nvSpPr>
+          <p:cNvPr id="44" name="文本框 43">
+            <a:extLst>
+              <a:ext uri="{FF2B5EF4-FFF2-40B4-BE49-F238E27FC236}">
+                <a16:creationId xmlns:a16="http://schemas.microsoft.com/office/drawing/2014/main" id="{565D2264-41AF-7A58-E876-0FE61824E854}"/>
+              </a:ext>
+            </a:extLst>
+          </p:cNvPr>
+          <p:cNvSpPr txBox="1"/>
+          <p:nvPr/>
+        </p:nvSpPr>
+        <p:spPr>
+          <a:xfrm>
+            <a:off x="5610451" y="1941413"/>
+            <a:ext cx="1003297" cy="635000"/>
+          </a:xfrm>
+          <a:prstGeom prst="rect">
+            <a:avLst/>
+          </a:prstGeom>
+          <a:noFill/>
+          <a:ln w="19050">
+            <a:solidFill>
+              <a:schemeClr val="tx1"/>
+            </a:solidFill>
+          </a:ln>
+        </p:spPr>
+        <p:txBody>
+          <a:bodyPr wrap="square" rtlCol="0">
+            <a:spAutoFit/>
+          </a:bodyPr>
+          <a:lstStyle/>
+          <a:p>
+            <a:endParaRPr lang="zh-CN" altLang="en-US" dirty="0"/>
+          </a:p>
+        </p:txBody>
+      </p:sp>
+      <p:sp>
+        <p:nvSpPr>
+          <p:cNvPr id="45" name="文本框 44">
+            <a:extLst>
+              <a:ext uri="{FF2B5EF4-FFF2-40B4-BE49-F238E27FC236}">
+                <a16:creationId xmlns:a16="http://schemas.microsoft.com/office/drawing/2014/main" id="{C99412F1-260E-10F8-486C-1EA5156890B6}"/>
+              </a:ext>
+            </a:extLst>
+          </p:cNvPr>
+          <p:cNvSpPr txBox="1"/>
+          <p:nvPr/>
+        </p:nvSpPr>
+        <p:spPr>
+          <a:xfrm>
+            <a:off x="5610451" y="2058858"/>
+            <a:ext cx="931071" cy="400110"/>
+          </a:xfrm>
+          <a:prstGeom prst="rect">
+            <a:avLst/>
+          </a:prstGeom>
+          <a:noFill/>
+        </p:spPr>
+        <p:txBody>
+          <a:bodyPr wrap="square" rtlCol="0">
+            <a:spAutoFit/>
+          </a:bodyPr>
+          <a:lstStyle/>
+          <a:p>
+            <a:pPr algn="ctr"/>
+            <a:r>
+              <a:rPr lang="zh-CN" altLang="en-US" sz="1000" dirty="0"/>
+              <a:t>串口屏字符信息输入</a:t>
+            </a:r>
+          </a:p>
+        </p:txBody>
+      </p:sp>
+      <p:cxnSp>
+        <p:nvCxnSpPr>
+          <p:cNvPr id="46" name="直接箭头连接符 45">
+            <a:extLst>
+              <a:ext uri="{FF2B5EF4-FFF2-40B4-BE49-F238E27FC236}">
+                <a16:creationId xmlns:a16="http://schemas.microsoft.com/office/drawing/2014/main" id="{3E90204F-4C92-F448-CFE6-477A7C92A30E}"/>
+              </a:ext>
+            </a:extLst>
+          </p:cNvPr>
+          <p:cNvCxnSpPr>
+            <a:cxnSpLocks/>
+          </p:cNvCxnSpPr>
+          <p:nvPr/>
+        </p:nvCxnSpPr>
+        <p:spPr>
+          <a:xfrm>
+            <a:off x="6112101" y="2576413"/>
+            <a:ext cx="0" cy="342900"/>
+          </a:xfrm>
+          <a:prstGeom prst="straightConnector1">
+            <a:avLst/>
+          </a:prstGeom>
+          <a:ln>
+            <a:tailEnd type="triangle"/>
+          </a:ln>
+        </p:spPr>
+        <p:style>
+          <a:lnRef idx="2">
+            <a:schemeClr val="dk1"/>
+          </a:lnRef>
+          <a:fillRef idx="0">
+            <a:schemeClr val="dk1"/>
+          </a:fillRef>
+          <a:effectRef idx="1">
+            <a:schemeClr val="dk1"/>
+          </a:effectRef>
+          <a:fontRef idx="minor">
+            <a:schemeClr val="tx1"/>
+          </a:fontRef>
+        </p:style>
+      </p:cxnSp>
+      <p:sp>
+        <p:nvSpPr>
+          <p:cNvPr id="47" name="文本框 46">
+            <a:extLst>
+              <a:ext uri="{FF2B5EF4-FFF2-40B4-BE49-F238E27FC236}">
+                <a16:creationId xmlns:a16="http://schemas.microsoft.com/office/drawing/2014/main" id="{9154096B-15FC-7AF3-807E-5C7BAA37F25B}"/>
+              </a:ext>
+            </a:extLst>
+          </p:cNvPr>
+          <p:cNvSpPr txBox="1"/>
+          <p:nvPr/>
+        </p:nvSpPr>
+        <p:spPr>
+          <a:xfrm>
+            <a:off x="5610451" y="2927151"/>
+            <a:ext cx="1003297" cy="635000"/>
+          </a:xfrm>
+          <a:prstGeom prst="rect">
+            <a:avLst/>
+          </a:prstGeom>
+          <a:noFill/>
+          <a:ln w="19050">
+            <a:solidFill>
+              <a:schemeClr val="tx1"/>
+            </a:solidFill>
+          </a:ln>
+        </p:spPr>
+        <p:txBody>
+          <a:bodyPr wrap="square" rtlCol="0">
+            <a:spAutoFit/>
+          </a:bodyPr>
+          <a:lstStyle/>
+          <a:p>
+            <a:endParaRPr lang="zh-CN" altLang="en-US" dirty="0"/>
+          </a:p>
+        </p:txBody>
+      </p:sp>
+      <p:sp>
+        <p:nvSpPr>
+          <p:cNvPr id="48" name="文本框 47">
+            <a:extLst>
+              <a:ext uri="{FF2B5EF4-FFF2-40B4-BE49-F238E27FC236}">
+                <a16:creationId xmlns:a16="http://schemas.microsoft.com/office/drawing/2014/main" id="{03E4CE4F-5552-E8E3-F4CC-C18ED6239B94}"/>
+              </a:ext>
+            </a:extLst>
+          </p:cNvPr>
+          <p:cNvSpPr txBox="1"/>
+          <p:nvPr/>
+        </p:nvSpPr>
+        <p:spPr>
+          <a:xfrm>
+            <a:off x="5646563" y="3069996"/>
+            <a:ext cx="931071" cy="400110"/>
+          </a:xfrm>
+          <a:prstGeom prst="rect">
+            <a:avLst/>
+          </a:prstGeom>
+          <a:noFill/>
+        </p:spPr>
+        <p:txBody>
+          <a:bodyPr wrap="square" rtlCol="0">
+            <a:spAutoFit/>
+          </a:bodyPr>
+          <a:lstStyle/>
+          <a:p>
+            <a:pPr algn="ctr"/>
+            <a:r>
+              <a:rPr lang="zh-CN" altLang="en-US" sz="1000" dirty="0"/>
+              <a:t>获取接收机坐标数据</a:t>
+            </a:r>
+          </a:p>
+        </p:txBody>
+      </p:sp>
+      <p:cxnSp>
+        <p:nvCxnSpPr>
+          <p:cNvPr id="49" name="直接箭头连接符 48">
+            <a:extLst>
+              <a:ext uri="{FF2B5EF4-FFF2-40B4-BE49-F238E27FC236}">
+                <a16:creationId xmlns:a16="http://schemas.microsoft.com/office/drawing/2014/main" id="{EADE405D-7D53-C173-5907-8DDFD028D49C}"/>
+              </a:ext>
+            </a:extLst>
+          </p:cNvPr>
+          <p:cNvCxnSpPr>
+            <a:cxnSpLocks/>
+          </p:cNvCxnSpPr>
+          <p:nvPr/>
+        </p:nvCxnSpPr>
+        <p:spPr>
+          <a:xfrm>
+            <a:off x="6112102" y="3562151"/>
+            <a:ext cx="0" cy="342900"/>
+          </a:xfrm>
+          <a:prstGeom prst="straightConnector1">
+            <a:avLst/>
+          </a:prstGeom>
+          <a:ln>
+            <a:tailEnd type="triangle"/>
+          </a:ln>
+        </p:spPr>
+        <p:style>
+          <a:lnRef idx="2">
+            <a:schemeClr val="dk1"/>
+          </a:lnRef>
+          <a:fillRef idx="0">
+            <a:schemeClr val="dk1"/>
+          </a:fillRef>
+          <a:effectRef idx="1">
+            <a:schemeClr val="dk1"/>
+          </a:effectRef>
+          <a:fontRef idx="minor">
+            <a:schemeClr val="tx1"/>
+          </a:fontRef>
+        </p:style>
+      </p:cxnSp>
+      <p:sp>
+        <p:nvSpPr>
+          <p:cNvPr id="50" name="文本框 49">
+            <a:extLst>
+              <a:ext uri="{FF2B5EF4-FFF2-40B4-BE49-F238E27FC236}">
+                <a16:creationId xmlns:a16="http://schemas.microsoft.com/office/drawing/2014/main" id="{58CB8502-461A-AE11-9691-832545A88285}"/>
+              </a:ext>
+            </a:extLst>
+          </p:cNvPr>
+          <p:cNvSpPr txBox="1"/>
+          <p:nvPr/>
+        </p:nvSpPr>
+        <p:spPr>
+          <a:xfrm>
+            <a:off x="5610452" y="3912889"/>
+            <a:ext cx="1003297" cy="635000"/>
+          </a:xfrm>
+          <a:prstGeom prst="rect">
+            <a:avLst/>
+          </a:prstGeom>
+          <a:noFill/>
+          <a:ln w="19050">
+            <a:solidFill>
+              <a:schemeClr val="tx1"/>
+            </a:solidFill>
+          </a:ln>
+        </p:spPr>
+        <p:txBody>
+          <a:bodyPr wrap="square" rtlCol="0">
+            <a:spAutoFit/>
+          </a:bodyPr>
+          <a:lstStyle/>
+          <a:p>
+            <a:endParaRPr lang="zh-CN" altLang="en-US" dirty="0"/>
+          </a:p>
+        </p:txBody>
+      </p:sp>
+      <p:sp>
+        <p:nvSpPr>
+          <p:cNvPr id="51" name="文本框 50">
+            <a:extLst>
+              <a:ext uri="{FF2B5EF4-FFF2-40B4-BE49-F238E27FC236}">
+                <a16:creationId xmlns:a16="http://schemas.microsoft.com/office/drawing/2014/main" id="{7998E9F7-30DF-2680-4A5B-21B6D866EB0A}"/>
+              </a:ext>
+            </a:extLst>
+          </p:cNvPr>
+          <p:cNvSpPr txBox="1"/>
+          <p:nvPr/>
+        </p:nvSpPr>
+        <p:spPr>
+          <a:xfrm>
+            <a:off x="5646564" y="4055734"/>
+            <a:ext cx="931071" cy="400110"/>
+          </a:xfrm>
+          <a:prstGeom prst="rect">
+            <a:avLst/>
+          </a:prstGeom>
+          <a:noFill/>
+        </p:spPr>
+        <p:txBody>
+          <a:bodyPr wrap="square" rtlCol="0">
+            <a:spAutoFit/>
+          </a:bodyPr>
+          <a:lstStyle/>
+          <a:p>
+            <a:pPr algn="ctr"/>
+            <a:r>
+              <a:rPr lang="zh-CN" altLang="en-US" sz="1000" dirty="0"/>
+              <a:t>启动云台</a:t>
+            </a:r>
+            <a:r>
+              <a:rPr lang="en-US" altLang="zh-CN" sz="1000" dirty="0"/>
+              <a:t>PID</a:t>
+            </a:r>
+            <a:r>
+              <a:rPr lang="zh-CN" altLang="en-US" sz="1000" dirty="0"/>
+              <a:t>控制</a:t>
+            </a:r>
+          </a:p>
+        </p:txBody>
+      </p:sp>
+      <p:sp>
+        <p:nvSpPr>
+          <p:cNvPr id="52" name="矩形: 圆角 51">
+            <a:extLst>
+              <a:ext uri="{FF2B5EF4-FFF2-40B4-BE49-F238E27FC236}">
+                <a16:creationId xmlns:a16="http://schemas.microsoft.com/office/drawing/2014/main" id="{069C7C02-8BC8-7722-8AC0-C6EC39EA32D7}"/>
+              </a:ext>
+            </a:extLst>
+          </p:cNvPr>
+          <p:cNvSpPr/>
+          <p:nvPr/>
+        </p:nvSpPr>
+        <p:spPr>
+          <a:xfrm>
+            <a:off x="5616802" y="4898627"/>
+            <a:ext cx="1003300" cy="508000"/>
+          </a:xfrm>
+          <a:prstGeom prst="roundRect">
+            <a:avLst/>
+          </a:prstGeom>
+          <a:noFill/>
+          <a:ln w="19050"/>
+        </p:spPr>
+        <p:style>
+          <a:lnRef idx="2">
+            <a:schemeClr val="accent1">
+              <a:shade val="15000"/>
+            </a:schemeClr>
+          </a:lnRef>
+          <a:fillRef idx="1">
+            <a:schemeClr val="accent1"/>
+          </a:fillRef>
+          <a:effectRef idx="0">
+            <a:schemeClr val="accent1"/>
+          </a:effectRef>
+          <a:fontRef idx="minor">
+            <a:schemeClr val="lt1"/>
+          </a:fontRef>
+        </p:style>
+        <p:txBody>
+          <a:bodyPr rtlCol="0" anchor="ctr"/>
+          <a:lstStyle/>
+          <a:p>
+            <a:pPr algn="ctr"/>
+            <a:endParaRPr lang="zh-CN" altLang="en-US">
+              <a:solidFill>
+                <a:schemeClr val="bg1"/>
+              </a:solidFill>
+            </a:endParaRPr>
+          </a:p>
+        </p:txBody>
+      </p:sp>
+      <p:sp>
+        <p:nvSpPr>
+          <p:cNvPr id="53" name="文本框 52">
+            <a:extLst>
+              <a:ext uri="{FF2B5EF4-FFF2-40B4-BE49-F238E27FC236}">
+                <a16:creationId xmlns:a16="http://schemas.microsoft.com/office/drawing/2014/main" id="{6C543B4D-065C-5164-4836-3C545A6B34C5}"/>
+              </a:ext>
+            </a:extLst>
+          </p:cNvPr>
+          <p:cNvSpPr txBox="1"/>
+          <p:nvPr/>
+        </p:nvSpPr>
+        <p:spPr>
+          <a:xfrm>
+            <a:off x="5821988" y="4998738"/>
+            <a:ext cx="755650" cy="307777"/>
+          </a:xfrm>
+          <a:prstGeom prst="rect">
+            <a:avLst/>
+          </a:prstGeom>
+          <a:noFill/>
+        </p:spPr>
+        <p:txBody>
+          <a:bodyPr wrap="square" rtlCol="0">
+            <a:spAutoFit/>
+          </a:bodyPr>
+          <a:lstStyle/>
+          <a:p>
+            <a:r>
+              <a:rPr lang="zh-CN" altLang="en-US" sz="1400" dirty="0"/>
+              <a:t>结束</a:t>
+            </a:r>
+          </a:p>
+        </p:txBody>
+      </p:sp>
+      <p:cxnSp>
+        <p:nvCxnSpPr>
+          <p:cNvPr id="54" name="直接箭头连接符 53">
+            <a:extLst>
+              <a:ext uri="{FF2B5EF4-FFF2-40B4-BE49-F238E27FC236}">
+                <a16:creationId xmlns:a16="http://schemas.microsoft.com/office/drawing/2014/main" id="{1A6CE5B6-E628-088B-995E-98873318C57E}"/>
+              </a:ext>
+            </a:extLst>
+          </p:cNvPr>
+          <p:cNvCxnSpPr>
+            <a:cxnSpLocks/>
+          </p:cNvCxnSpPr>
+          <p:nvPr/>
+        </p:nvCxnSpPr>
+        <p:spPr>
+          <a:xfrm>
+            <a:off x="6118452" y="4547889"/>
+            <a:ext cx="0" cy="342900"/>
+          </a:xfrm>
+          <a:prstGeom prst="straightConnector1">
+            <a:avLst/>
+          </a:prstGeom>
+          <a:ln>
+            <a:tailEnd type="triangle"/>
+          </a:ln>
+        </p:spPr>
+        <p:style>
+          <a:lnRef idx="2">
+            <a:schemeClr val="dk1"/>
+          </a:lnRef>
+          <a:fillRef idx="0">
+            <a:schemeClr val="dk1"/>
+          </a:fillRef>
+          <a:effectRef idx="1">
+            <a:schemeClr val="dk1"/>
+          </a:effectRef>
+          <a:fontRef idx="minor">
+            <a:schemeClr val="tx1"/>
+          </a:fontRef>
+        </p:style>
+      </p:cxnSp>
+      <p:sp>
+        <p:nvSpPr>
+          <p:cNvPr id="55" name="矩形: 圆角 54">
+            <a:extLst>
+              <a:ext uri="{FF2B5EF4-FFF2-40B4-BE49-F238E27FC236}">
+                <a16:creationId xmlns:a16="http://schemas.microsoft.com/office/drawing/2014/main" id="{D52F0163-0AE5-7845-DB43-E43E5A13D410}"/>
+              </a:ext>
+            </a:extLst>
+          </p:cNvPr>
+          <p:cNvSpPr/>
+          <p:nvPr/>
+        </p:nvSpPr>
+        <p:spPr>
+          <a:xfrm>
+            <a:off x="7344598" y="185491"/>
+            <a:ext cx="1003300" cy="508000"/>
+          </a:xfrm>
+          <a:prstGeom prst="roundRect">
+            <a:avLst/>
+          </a:prstGeom>
+          <a:noFill/>
+          <a:ln w="19050"/>
+        </p:spPr>
+        <p:style>
+          <a:lnRef idx="2">
+            <a:schemeClr val="accent1">
+              <a:shade val="15000"/>
+            </a:schemeClr>
+          </a:lnRef>
+          <a:fillRef idx="1">
+            <a:schemeClr val="accent1"/>
+          </a:fillRef>
+          <a:effectRef idx="0">
+            <a:schemeClr val="accent1"/>
+          </a:effectRef>
+          <a:fontRef idx="minor">
+            <a:schemeClr val="lt1"/>
+          </a:fontRef>
+        </p:style>
+        <p:txBody>
+          <a:bodyPr rtlCol="0" anchor="ctr"/>
+          <a:lstStyle/>
+          <a:p>
+            <a:pPr algn="ctr"/>
+            <a:endParaRPr lang="zh-CN" altLang="en-US">
+              <a:solidFill>
+                <a:schemeClr val="bg1"/>
+              </a:solidFill>
+            </a:endParaRPr>
+          </a:p>
+        </p:txBody>
+      </p:sp>
+      <p:sp>
+        <p:nvSpPr>
+          <p:cNvPr id="56" name="文本框 55">
+            <a:extLst>
+              <a:ext uri="{FF2B5EF4-FFF2-40B4-BE49-F238E27FC236}">
+                <a16:creationId xmlns:a16="http://schemas.microsoft.com/office/drawing/2014/main" id="{1959B2C4-40B7-D753-49F4-958046AFE44B}"/>
+              </a:ext>
+            </a:extLst>
+          </p:cNvPr>
+          <p:cNvSpPr txBox="1"/>
+          <p:nvPr/>
+        </p:nvSpPr>
+        <p:spPr>
+          <a:xfrm>
+            <a:off x="7592248" y="285602"/>
+            <a:ext cx="755650" cy="307777"/>
+          </a:xfrm>
+          <a:prstGeom prst="rect">
+            <a:avLst/>
+          </a:prstGeom>
+          <a:noFill/>
+        </p:spPr>
+        <p:txBody>
+          <a:bodyPr wrap="square" rtlCol="0">
+            <a:spAutoFit/>
+          </a:bodyPr>
+          <a:lstStyle/>
+          <a:p>
+            <a:r>
+              <a:rPr lang="zh-CN" altLang="en-US" sz="1400" dirty="0"/>
+              <a:t>开始</a:t>
+            </a:r>
+          </a:p>
+        </p:txBody>
+      </p:sp>
+      <p:cxnSp>
+        <p:nvCxnSpPr>
+          <p:cNvPr id="57" name="直接箭头连接符 56">
+            <a:extLst>
+              <a:ext uri="{FF2B5EF4-FFF2-40B4-BE49-F238E27FC236}">
+                <a16:creationId xmlns:a16="http://schemas.microsoft.com/office/drawing/2014/main" id="{A6A2D3A0-BFC6-2B75-4B29-B07ED6633396}"/>
+              </a:ext>
+            </a:extLst>
+          </p:cNvPr>
+          <p:cNvCxnSpPr>
+            <a:cxnSpLocks/>
+            <a:stCxn id="55" idx="2"/>
+          </p:cNvCxnSpPr>
+          <p:nvPr/>
+        </p:nvCxnSpPr>
+        <p:spPr>
+          <a:xfrm>
+            <a:off x="7846248" y="693491"/>
+            <a:ext cx="0" cy="342900"/>
+          </a:xfrm>
+          <a:prstGeom prst="straightConnector1">
+            <a:avLst/>
+          </a:prstGeom>
+          <a:ln>
+            <a:tailEnd type="triangle"/>
+          </a:ln>
+        </p:spPr>
+        <p:style>
+          <a:lnRef idx="2">
+            <a:schemeClr val="dk1"/>
+          </a:lnRef>
+          <a:fillRef idx="0">
+            <a:schemeClr val="dk1"/>
+          </a:fillRef>
+          <a:effectRef idx="1">
+            <a:schemeClr val="dk1"/>
+          </a:effectRef>
+          <a:fontRef idx="minor">
+            <a:schemeClr val="tx1"/>
+          </a:fontRef>
+        </p:style>
+      </p:cxnSp>
+      <p:sp>
+        <p:nvSpPr>
+          <p:cNvPr id="58" name="文本框 57">
+            <a:extLst>
+              <a:ext uri="{FF2B5EF4-FFF2-40B4-BE49-F238E27FC236}">
+                <a16:creationId xmlns:a16="http://schemas.microsoft.com/office/drawing/2014/main" id="{68C79A13-2C89-947A-2BE4-6BFA7CE1CCCD}"/>
+              </a:ext>
+            </a:extLst>
+          </p:cNvPr>
+          <p:cNvSpPr txBox="1"/>
+          <p:nvPr/>
+        </p:nvSpPr>
+        <p:spPr>
+          <a:xfrm>
+            <a:off x="7344598" y="1044229"/>
+            <a:ext cx="1003297" cy="635000"/>
+          </a:xfrm>
+          <a:prstGeom prst="rect">
+            <a:avLst/>
+          </a:prstGeom>
+          <a:noFill/>
+          <a:ln w="19050">
+            <a:solidFill>
+              <a:schemeClr val="tx1"/>
+            </a:solidFill>
+          </a:ln>
+        </p:spPr>
+        <p:txBody>
+          <a:bodyPr wrap="square" rtlCol="0">
+            <a:spAutoFit/>
+          </a:bodyPr>
+          <a:lstStyle/>
+          <a:p>
+            <a:endParaRPr lang="zh-CN" altLang="en-US" dirty="0"/>
+          </a:p>
+        </p:txBody>
+      </p:sp>
+      <p:sp>
+        <p:nvSpPr>
+          <p:cNvPr id="59" name="文本框 58">
+            <a:extLst>
+              <a:ext uri="{FF2B5EF4-FFF2-40B4-BE49-F238E27FC236}">
+                <a16:creationId xmlns:a16="http://schemas.microsoft.com/office/drawing/2014/main" id="{9AE82638-612E-1242-8E36-DCF6238A35F4}"/>
+              </a:ext>
+            </a:extLst>
+          </p:cNvPr>
+          <p:cNvSpPr txBox="1"/>
+          <p:nvPr/>
+        </p:nvSpPr>
+        <p:spPr>
+          <a:xfrm>
+            <a:off x="7344598" y="1161674"/>
+            <a:ext cx="931071" cy="400110"/>
+          </a:xfrm>
+          <a:prstGeom prst="rect">
+            <a:avLst/>
+          </a:prstGeom>
+          <a:noFill/>
+        </p:spPr>
+        <p:txBody>
+          <a:bodyPr wrap="square" rtlCol="0">
+            <a:spAutoFit/>
+          </a:bodyPr>
+          <a:lstStyle/>
+          <a:p>
+            <a:pPr algn="ctr"/>
+            <a:r>
+              <a:rPr lang="zh-CN" altLang="en-US" sz="1000" dirty="0"/>
+              <a:t>串口屏字符信息输入</a:t>
+            </a:r>
+          </a:p>
+        </p:txBody>
+      </p:sp>
+      <p:cxnSp>
+        <p:nvCxnSpPr>
+          <p:cNvPr id="60" name="直接箭头连接符 59">
+            <a:extLst>
+              <a:ext uri="{FF2B5EF4-FFF2-40B4-BE49-F238E27FC236}">
+                <a16:creationId xmlns:a16="http://schemas.microsoft.com/office/drawing/2014/main" id="{6B9B3623-DE5B-69A3-DD87-464BFA43AC7A}"/>
+              </a:ext>
+            </a:extLst>
+          </p:cNvPr>
+          <p:cNvCxnSpPr>
+            <a:cxnSpLocks/>
+          </p:cNvCxnSpPr>
+          <p:nvPr/>
+        </p:nvCxnSpPr>
+        <p:spPr>
+          <a:xfrm>
+            <a:off x="7846248" y="1679229"/>
+            <a:ext cx="0" cy="342900"/>
+          </a:xfrm>
+          <a:prstGeom prst="straightConnector1">
+            <a:avLst/>
+          </a:prstGeom>
+          <a:ln>
+            <a:tailEnd type="triangle"/>
+          </a:ln>
+        </p:spPr>
+        <p:style>
+          <a:lnRef idx="2">
+            <a:schemeClr val="dk1"/>
+          </a:lnRef>
+          <a:fillRef idx="0">
+            <a:schemeClr val="dk1"/>
+          </a:fillRef>
+          <a:effectRef idx="1">
+            <a:schemeClr val="dk1"/>
+          </a:effectRef>
+          <a:fontRef idx="minor">
+            <a:schemeClr val="tx1"/>
+          </a:fontRef>
+        </p:style>
+      </p:cxnSp>
+      <p:sp>
+        <p:nvSpPr>
+          <p:cNvPr id="61" name="文本框 60">
+            <a:extLst>
+              <a:ext uri="{FF2B5EF4-FFF2-40B4-BE49-F238E27FC236}">
+                <a16:creationId xmlns:a16="http://schemas.microsoft.com/office/drawing/2014/main" id="{A87B5E27-4FE2-D98A-D399-398C4968ED93}"/>
+              </a:ext>
+            </a:extLst>
+          </p:cNvPr>
+          <p:cNvSpPr txBox="1"/>
+          <p:nvPr/>
+        </p:nvSpPr>
+        <p:spPr>
+          <a:xfrm>
+            <a:off x="7359423" y="4055734"/>
+            <a:ext cx="1003297" cy="635000"/>
+          </a:xfrm>
+          <a:prstGeom prst="rect">
+            <a:avLst/>
+          </a:prstGeom>
+          <a:noFill/>
+          <a:ln w="19050">
+            <a:solidFill>
+              <a:schemeClr val="tx1"/>
+            </a:solidFill>
+          </a:ln>
+        </p:spPr>
+        <p:txBody>
+          <a:bodyPr wrap="square" rtlCol="0">
+            <a:spAutoFit/>
+          </a:bodyPr>
+          <a:lstStyle/>
+          <a:p>
+            <a:endParaRPr lang="zh-CN" altLang="en-US" dirty="0"/>
+          </a:p>
+        </p:txBody>
+      </p:sp>
+      <p:sp>
+        <p:nvSpPr>
+          <p:cNvPr id="62" name="文本框 61">
+            <a:extLst>
+              <a:ext uri="{FF2B5EF4-FFF2-40B4-BE49-F238E27FC236}">
+                <a16:creationId xmlns:a16="http://schemas.microsoft.com/office/drawing/2014/main" id="{1505440A-D8A8-A4E3-643A-17953E1AD540}"/>
+              </a:ext>
+            </a:extLst>
+          </p:cNvPr>
+          <p:cNvSpPr txBox="1"/>
+          <p:nvPr/>
+        </p:nvSpPr>
+        <p:spPr>
+          <a:xfrm>
+            <a:off x="7395535" y="4198579"/>
+            <a:ext cx="931071" cy="400110"/>
+          </a:xfrm>
+          <a:prstGeom prst="rect">
+            <a:avLst/>
+          </a:prstGeom>
+          <a:noFill/>
+        </p:spPr>
+        <p:txBody>
+          <a:bodyPr wrap="square" rtlCol="0">
+            <a:spAutoFit/>
+          </a:bodyPr>
+          <a:lstStyle/>
+          <a:p>
+            <a:pPr algn="ctr"/>
+            <a:r>
+              <a:rPr lang="zh-CN" altLang="en-US" sz="1000" dirty="0"/>
+              <a:t>获取接收机坐标数据</a:t>
+            </a:r>
+          </a:p>
+        </p:txBody>
+      </p:sp>
+      <p:cxnSp>
+        <p:nvCxnSpPr>
+          <p:cNvPr id="63" name="直接箭头连接符 62">
+            <a:extLst>
+              <a:ext uri="{FF2B5EF4-FFF2-40B4-BE49-F238E27FC236}">
+                <a16:creationId xmlns:a16="http://schemas.microsoft.com/office/drawing/2014/main" id="{52B1D658-537A-8250-3EDD-C1884F8D5187}"/>
+              </a:ext>
+            </a:extLst>
+          </p:cNvPr>
+          <p:cNvCxnSpPr>
+            <a:cxnSpLocks/>
+          </p:cNvCxnSpPr>
+          <p:nvPr/>
+        </p:nvCxnSpPr>
+        <p:spPr>
+          <a:xfrm>
+            <a:off x="7861074" y="4690734"/>
+            <a:ext cx="0" cy="342900"/>
+          </a:xfrm>
+          <a:prstGeom prst="straightConnector1">
+            <a:avLst/>
+          </a:prstGeom>
+          <a:ln>
+            <a:tailEnd type="triangle"/>
+          </a:ln>
+        </p:spPr>
+        <p:style>
+          <a:lnRef idx="2">
+            <a:schemeClr val="dk1"/>
+          </a:lnRef>
+          <a:fillRef idx="0">
+            <a:schemeClr val="dk1"/>
+          </a:fillRef>
+          <a:effectRef idx="1">
+            <a:schemeClr val="dk1"/>
+          </a:effectRef>
+          <a:fontRef idx="minor">
+            <a:schemeClr val="tx1"/>
+          </a:fontRef>
+        </p:style>
+      </p:cxnSp>
+      <p:sp>
+        <p:nvSpPr>
+          <p:cNvPr id="64" name="文本框 63">
+            <a:extLst>
+              <a:ext uri="{FF2B5EF4-FFF2-40B4-BE49-F238E27FC236}">
+                <a16:creationId xmlns:a16="http://schemas.microsoft.com/office/drawing/2014/main" id="{18A2C13C-636E-C14B-E740-90F79EA8E454}"/>
+              </a:ext>
+            </a:extLst>
+          </p:cNvPr>
+          <p:cNvSpPr txBox="1"/>
+          <p:nvPr/>
+        </p:nvSpPr>
+        <p:spPr>
+          <a:xfrm>
+            <a:off x="7359424" y="5041472"/>
+            <a:ext cx="1003297" cy="635000"/>
+          </a:xfrm>
+          <a:prstGeom prst="rect">
+            <a:avLst/>
+          </a:prstGeom>
+          <a:noFill/>
+          <a:ln w="19050">
+            <a:solidFill>
+              <a:schemeClr val="tx1"/>
+            </a:solidFill>
+          </a:ln>
+        </p:spPr>
+        <p:txBody>
+          <a:bodyPr wrap="square" rtlCol="0">
+            <a:spAutoFit/>
+          </a:bodyPr>
+          <a:lstStyle/>
+          <a:p>
+            <a:endParaRPr lang="zh-CN" altLang="en-US" dirty="0"/>
+          </a:p>
+        </p:txBody>
+      </p:sp>
+      <p:sp>
+        <p:nvSpPr>
+          <p:cNvPr id="65" name="文本框 64">
+            <a:extLst>
+              <a:ext uri="{FF2B5EF4-FFF2-40B4-BE49-F238E27FC236}">
+                <a16:creationId xmlns:a16="http://schemas.microsoft.com/office/drawing/2014/main" id="{8780025C-F179-250E-AD14-3A6E1B330C62}"/>
+              </a:ext>
+            </a:extLst>
+          </p:cNvPr>
+          <p:cNvSpPr txBox="1"/>
+          <p:nvPr/>
+        </p:nvSpPr>
+        <p:spPr>
+          <a:xfrm>
+            <a:off x="7395536" y="5184317"/>
+            <a:ext cx="931071" cy="400110"/>
+          </a:xfrm>
+          <a:prstGeom prst="rect">
+            <a:avLst/>
+          </a:prstGeom>
+          <a:noFill/>
+        </p:spPr>
+        <p:txBody>
+          <a:bodyPr wrap="square" rtlCol="0">
+            <a:spAutoFit/>
+          </a:bodyPr>
+          <a:lstStyle/>
+          <a:p>
+            <a:pPr algn="ctr"/>
+            <a:r>
+              <a:rPr lang="zh-CN" altLang="en-US" sz="1000" dirty="0"/>
+              <a:t>启动云台</a:t>
+            </a:r>
+            <a:r>
+              <a:rPr lang="en-US" altLang="zh-CN" sz="1000" dirty="0"/>
+              <a:t>PID</a:t>
+            </a:r>
+            <a:r>
+              <a:rPr lang="zh-CN" altLang="en-US" sz="1000" dirty="0"/>
+              <a:t>控制</a:t>
+            </a:r>
+          </a:p>
+        </p:txBody>
+      </p:sp>
+      <p:sp>
+        <p:nvSpPr>
+          <p:cNvPr id="66" name="矩形: 圆角 65">
+            <a:extLst>
+              <a:ext uri="{FF2B5EF4-FFF2-40B4-BE49-F238E27FC236}">
+                <a16:creationId xmlns:a16="http://schemas.microsoft.com/office/drawing/2014/main" id="{554D964E-2E93-EC61-8197-7CADC16C6E04}"/>
+              </a:ext>
+            </a:extLst>
+          </p:cNvPr>
+          <p:cNvSpPr/>
+          <p:nvPr/>
+        </p:nvSpPr>
+        <p:spPr>
+          <a:xfrm>
+            <a:off x="7365774" y="6027210"/>
+            <a:ext cx="1003300" cy="508000"/>
+          </a:xfrm>
+          <a:prstGeom prst="roundRect">
+            <a:avLst/>
+          </a:prstGeom>
+          <a:noFill/>
+          <a:ln w="19050"/>
+        </p:spPr>
+        <p:style>
+          <a:lnRef idx="2">
+            <a:schemeClr val="accent1">
+              <a:shade val="15000"/>
+            </a:schemeClr>
+          </a:lnRef>
+          <a:fillRef idx="1">
+            <a:schemeClr val="accent1"/>
+          </a:fillRef>
+          <a:effectRef idx="0">
+            <a:schemeClr val="accent1"/>
+          </a:effectRef>
+          <a:fontRef idx="minor">
+            <a:schemeClr val="lt1"/>
+          </a:fontRef>
+        </p:style>
+        <p:txBody>
+          <a:bodyPr rtlCol="0" anchor="ctr"/>
+          <a:lstStyle/>
+          <a:p>
+            <a:pPr algn="ctr"/>
+            <a:endParaRPr lang="zh-CN" altLang="en-US">
+              <a:solidFill>
+                <a:schemeClr val="bg1"/>
+              </a:solidFill>
+            </a:endParaRPr>
+          </a:p>
+        </p:txBody>
+      </p:sp>
+      <p:sp>
+        <p:nvSpPr>
+          <p:cNvPr id="67" name="文本框 66">
+            <a:extLst>
+              <a:ext uri="{FF2B5EF4-FFF2-40B4-BE49-F238E27FC236}">
+                <a16:creationId xmlns:a16="http://schemas.microsoft.com/office/drawing/2014/main" id="{3C420B15-31A7-54AE-C07D-530B0B0A0FDF}"/>
+              </a:ext>
+            </a:extLst>
+          </p:cNvPr>
+          <p:cNvSpPr txBox="1"/>
+          <p:nvPr/>
+        </p:nvSpPr>
+        <p:spPr>
+          <a:xfrm>
+            <a:off x="7570960" y="6127321"/>
+            <a:ext cx="755650" cy="307777"/>
+          </a:xfrm>
+          <a:prstGeom prst="rect">
+            <a:avLst/>
+          </a:prstGeom>
+          <a:noFill/>
+        </p:spPr>
+        <p:txBody>
+          <a:bodyPr wrap="square" rtlCol="0">
+            <a:spAutoFit/>
+          </a:bodyPr>
+          <a:lstStyle/>
+          <a:p>
+            <a:r>
+              <a:rPr lang="zh-CN" altLang="en-US" sz="1400" dirty="0"/>
+              <a:t>结束</a:t>
+            </a:r>
+          </a:p>
+        </p:txBody>
+      </p:sp>
+      <p:cxnSp>
+        <p:nvCxnSpPr>
+          <p:cNvPr id="68" name="直接箭头连接符 67">
+            <a:extLst>
+              <a:ext uri="{FF2B5EF4-FFF2-40B4-BE49-F238E27FC236}">
+                <a16:creationId xmlns:a16="http://schemas.microsoft.com/office/drawing/2014/main" id="{F2207FC2-EF35-C971-C0C6-CD7B167C58F3}"/>
+              </a:ext>
+            </a:extLst>
+          </p:cNvPr>
+          <p:cNvCxnSpPr>
+            <a:cxnSpLocks/>
+          </p:cNvCxnSpPr>
+          <p:nvPr/>
+        </p:nvCxnSpPr>
+        <p:spPr>
+          <a:xfrm>
+            <a:off x="7867424" y="5676472"/>
+            <a:ext cx="0" cy="342900"/>
+          </a:xfrm>
+          <a:prstGeom prst="straightConnector1">
+            <a:avLst/>
+          </a:prstGeom>
+          <a:ln>
+            <a:tailEnd type="triangle"/>
+          </a:ln>
+        </p:spPr>
+        <p:style>
+          <a:lnRef idx="2">
+            <a:schemeClr val="dk1"/>
+          </a:lnRef>
+          <a:fillRef idx="0">
+            <a:schemeClr val="dk1"/>
+          </a:fillRef>
+          <a:effectRef idx="1">
+            <a:schemeClr val="dk1"/>
+          </a:effectRef>
+          <a:fontRef idx="minor">
+            <a:schemeClr val="tx1"/>
+          </a:fontRef>
+        </p:style>
+      </p:cxnSp>
+      <p:sp>
+        <p:nvSpPr>
+          <p:cNvPr id="69" name="文本框 68">
+            <a:extLst>
+              <a:ext uri="{FF2B5EF4-FFF2-40B4-BE49-F238E27FC236}">
+                <a16:creationId xmlns:a16="http://schemas.microsoft.com/office/drawing/2014/main" id="{180065C0-656A-629A-1E16-2BCE71E6C1C8}"/>
+              </a:ext>
+            </a:extLst>
+          </p:cNvPr>
+          <p:cNvSpPr txBox="1"/>
+          <p:nvPr/>
+        </p:nvSpPr>
+        <p:spPr>
+          <a:xfrm>
+            <a:off x="7344598" y="2038440"/>
+            <a:ext cx="1003297" cy="635000"/>
+          </a:xfrm>
+          <a:prstGeom prst="rect">
+            <a:avLst/>
+          </a:prstGeom>
+          <a:noFill/>
+          <a:ln w="19050">
+            <a:solidFill>
+              <a:schemeClr val="tx1"/>
+            </a:solidFill>
+          </a:ln>
+        </p:spPr>
+        <p:txBody>
+          <a:bodyPr wrap="square" rtlCol="0">
+            <a:spAutoFit/>
+          </a:bodyPr>
+          <a:lstStyle/>
+          <a:p>
+            <a:endParaRPr lang="zh-CN" altLang="en-US" dirty="0"/>
+          </a:p>
+        </p:txBody>
+      </p:sp>
+      <p:sp>
+        <p:nvSpPr>
+          <p:cNvPr id="70" name="文本框 69">
+            <a:extLst>
+              <a:ext uri="{FF2B5EF4-FFF2-40B4-BE49-F238E27FC236}">
+                <a16:creationId xmlns:a16="http://schemas.microsoft.com/office/drawing/2014/main" id="{BACA78B1-5677-30A7-54D1-68BA2A028E6B}"/>
+              </a:ext>
+            </a:extLst>
+          </p:cNvPr>
+          <p:cNvSpPr txBox="1"/>
+          <p:nvPr/>
+        </p:nvSpPr>
+        <p:spPr>
+          <a:xfrm>
+            <a:off x="7359423" y="2094896"/>
+            <a:ext cx="931071" cy="553998"/>
+          </a:xfrm>
+          <a:prstGeom prst="rect">
+            <a:avLst/>
+          </a:prstGeom>
+          <a:noFill/>
+        </p:spPr>
+        <p:txBody>
+          <a:bodyPr wrap="square" rtlCol="0">
+            <a:spAutoFit/>
+          </a:bodyPr>
+          <a:lstStyle/>
+          <a:p>
+            <a:pPr algn="ctr"/>
+            <a:r>
+              <a:rPr lang="zh-CN" altLang="en-US" sz="1000" dirty="0"/>
+              <a:t>根据角度点选对应的“一键启动”按钮</a:t>
+            </a:r>
+          </a:p>
+        </p:txBody>
+      </p:sp>
+      <p:cxnSp>
+        <p:nvCxnSpPr>
+          <p:cNvPr id="71" name="直接箭头连接符 70">
+            <a:extLst>
+              <a:ext uri="{FF2B5EF4-FFF2-40B4-BE49-F238E27FC236}">
+                <a16:creationId xmlns:a16="http://schemas.microsoft.com/office/drawing/2014/main" id="{B3BCDAEC-E586-44C7-739B-75F86366C391}"/>
+              </a:ext>
+            </a:extLst>
+          </p:cNvPr>
+          <p:cNvCxnSpPr>
+            <a:cxnSpLocks/>
+          </p:cNvCxnSpPr>
+          <p:nvPr/>
+        </p:nvCxnSpPr>
+        <p:spPr>
+          <a:xfrm>
+            <a:off x="7835400" y="2687164"/>
+            <a:ext cx="0" cy="342900"/>
+          </a:xfrm>
+          <a:prstGeom prst="straightConnector1">
+            <a:avLst/>
+          </a:prstGeom>
+          <a:ln>
+            <a:tailEnd type="triangle"/>
+          </a:ln>
+        </p:spPr>
+        <p:style>
+          <a:lnRef idx="2">
+            <a:schemeClr val="dk1"/>
+          </a:lnRef>
+          <a:fillRef idx="0">
+            <a:schemeClr val="dk1"/>
+          </a:fillRef>
+          <a:effectRef idx="1">
+            <a:schemeClr val="dk1"/>
+          </a:effectRef>
+          <a:fontRef idx="minor">
+            <a:schemeClr val="tx1"/>
+          </a:fontRef>
+        </p:style>
+      </p:cxnSp>
+      <p:sp>
+        <p:nvSpPr>
+          <p:cNvPr id="72" name="文本框 71">
+            <a:extLst>
+              <a:ext uri="{FF2B5EF4-FFF2-40B4-BE49-F238E27FC236}">
+                <a16:creationId xmlns:a16="http://schemas.microsoft.com/office/drawing/2014/main" id="{FE02744E-D965-9D0B-86C2-0865079A5114}"/>
+              </a:ext>
+            </a:extLst>
+          </p:cNvPr>
+          <p:cNvSpPr txBox="1"/>
+          <p:nvPr/>
+        </p:nvSpPr>
+        <p:spPr>
+          <a:xfrm>
+            <a:off x="7359423" y="3032393"/>
+            <a:ext cx="1003297" cy="635000"/>
+          </a:xfrm>
+          <a:prstGeom prst="rect">
+            <a:avLst/>
+          </a:prstGeom>
+          <a:noFill/>
+          <a:ln w="19050">
+            <a:solidFill>
+              <a:schemeClr val="tx1"/>
+            </a:solidFill>
+          </a:ln>
+        </p:spPr>
+        <p:txBody>
+          <a:bodyPr wrap="square" rtlCol="0">
+            <a:spAutoFit/>
+          </a:bodyPr>
+          <a:lstStyle/>
+          <a:p>
+            <a:endParaRPr lang="zh-CN" altLang="en-US" dirty="0"/>
+          </a:p>
+        </p:txBody>
+      </p:sp>
+      <p:sp>
+        <p:nvSpPr>
+          <p:cNvPr id="73" name="文本框 72">
+            <a:extLst>
+              <a:ext uri="{FF2B5EF4-FFF2-40B4-BE49-F238E27FC236}">
+                <a16:creationId xmlns:a16="http://schemas.microsoft.com/office/drawing/2014/main" id="{BC212EAC-72A2-667A-F667-5815DA87617C}"/>
+              </a:ext>
+            </a:extLst>
+          </p:cNvPr>
+          <p:cNvSpPr txBox="1"/>
+          <p:nvPr/>
+        </p:nvSpPr>
+        <p:spPr>
+          <a:xfrm>
+            <a:off x="7380712" y="3242186"/>
+            <a:ext cx="931071" cy="246221"/>
+          </a:xfrm>
+          <a:prstGeom prst="rect">
+            <a:avLst/>
+          </a:prstGeom>
+          <a:noFill/>
+        </p:spPr>
+        <p:txBody>
+          <a:bodyPr wrap="square" rtlCol="0">
+            <a:spAutoFit/>
+          </a:bodyPr>
+          <a:lstStyle/>
+          <a:p>
+            <a:pPr algn="ctr"/>
+            <a:r>
+              <a:rPr lang="zh-CN" altLang="en-US" sz="1000" dirty="0"/>
+              <a:t>云台预旋转</a:t>
+            </a:r>
+          </a:p>
+        </p:txBody>
+      </p:sp>
+      <p:cxnSp>
+        <p:nvCxnSpPr>
+          <p:cNvPr id="74" name="直接箭头连接符 73">
+            <a:extLst>
+              <a:ext uri="{FF2B5EF4-FFF2-40B4-BE49-F238E27FC236}">
+                <a16:creationId xmlns:a16="http://schemas.microsoft.com/office/drawing/2014/main" id="{4759EE1D-FA2D-6C1D-6DE1-E588943574E2}"/>
+              </a:ext>
+            </a:extLst>
+          </p:cNvPr>
+          <p:cNvCxnSpPr>
+            <a:cxnSpLocks/>
+          </p:cNvCxnSpPr>
+          <p:nvPr/>
+        </p:nvCxnSpPr>
+        <p:spPr>
+          <a:xfrm>
+            <a:off x="7848288" y="3677565"/>
+            <a:ext cx="0" cy="342900"/>
+          </a:xfrm>
+          <a:prstGeom prst="straightConnector1">
+            <a:avLst/>
+          </a:prstGeom>
+          <a:ln>
+            <a:tailEnd type="triangle"/>
+          </a:ln>
+        </p:spPr>
+        <p:style>
+          <a:lnRef idx="2">
+            <a:schemeClr val="dk1"/>
+          </a:lnRef>
+          <a:fillRef idx="0">
+            <a:schemeClr val="dk1"/>
+          </a:fillRef>
+          <a:effectRef idx="1">
+            <a:schemeClr val="dk1"/>
+          </a:effectRef>
+          <a:fontRef idx="minor">
+            <a:schemeClr val="tx1"/>
+          </a:fontRef>
+        </p:style>
+      </p:cxnSp>
+      <p:sp>
+        <p:nvSpPr>
+          <p:cNvPr id="75" name="矩形: 圆角 74">
+            <a:extLst>
+              <a:ext uri="{FF2B5EF4-FFF2-40B4-BE49-F238E27FC236}">
+                <a16:creationId xmlns:a16="http://schemas.microsoft.com/office/drawing/2014/main" id="{CEBDA727-E60D-FBD3-5A1E-4AD8FBB699DE}"/>
+              </a:ext>
+            </a:extLst>
+          </p:cNvPr>
+          <p:cNvSpPr/>
+          <p:nvPr/>
+        </p:nvSpPr>
+        <p:spPr>
+          <a:xfrm>
+            <a:off x="9108397" y="1172131"/>
+            <a:ext cx="1003300" cy="508000"/>
+          </a:xfrm>
+          <a:prstGeom prst="roundRect">
+            <a:avLst/>
+          </a:prstGeom>
+          <a:noFill/>
+          <a:ln w="19050"/>
+        </p:spPr>
+        <p:style>
+          <a:lnRef idx="2">
+            <a:schemeClr val="accent1">
+              <a:shade val="15000"/>
+            </a:schemeClr>
+          </a:lnRef>
+          <a:fillRef idx="1">
+            <a:schemeClr val="accent1"/>
+          </a:fillRef>
+          <a:effectRef idx="0">
+            <a:schemeClr val="accent1"/>
+          </a:effectRef>
+          <a:fontRef idx="minor">
+            <a:schemeClr val="lt1"/>
+          </a:fontRef>
+        </p:style>
+        <p:txBody>
+          <a:bodyPr rtlCol="0" anchor="ctr"/>
+          <a:lstStyle/>
+          <a:p>
+            <a:pPr algn="ctr"/>
+            <a:endParaRPr lang="zh-CN" altLang="en-US">
+              <a:solidFill>
+                <a:schemeClr val="bg1"/>
+              </a:solidFill>
+            </a:endParaRPr>
+          </a:p>
+        </p:txBody>
+      </p:sp>
+      <p:sp>
+        <p:nvSpPr>
+          <p:cNvPr id="76" name="文本框 75">
+            <a:extLst>
+              <a:ext uri="{FF2B5EF4-FFF2-40B4-BE49-F238E27FC236}">
+                <a16:creationId xmlns:a16="http://schemas.microsoft.com/office/drawing/2014/main" id="{F049B56D-7E30-5404-1418-B1AB28984F3A}"/>
+              </a:ext>
+            </a:extLst>
+          </p:cNvPr>
+          <p:cNvSpPr txBox="1"/>
+          <p:nvPr/>
+        </p:nvSpPr>
+        <p:spPr>
+          <a:xfrm>
+            <a:off x="9356047" y="1272242"/>
+            <a:ext cx="755650" cy="307777"/>
+          </a:xfrm>
+          <a:prstGeom prst="rect">
+            <a:avLst/>
+          </a:prstGeom>
+          <a:noFill/>
+        </p:spPr>
+        <p:txBody>
+          <a:bodyPr wrap="square" rtlCol="0">
+            <a:spAutoFit/>
+          </a:bodyPr>
+          <a:lstStyle/>
+          <a:p>
+            <a:r>
+              <a:rPr lang="zh-CN" altLang="en-US" sz="1400" dirty="0"/>
+              <a:t>开始</a:t>
+            </a:r>
+          </a:p>
+        </p:txBody>
+      </p:sp>
+      <p:cxnSp>
+        <p:nvCxnSpPr>
+          <p:cNvPr id="77" name="直接箭头连接符 76">
+            <a:extLst>
+              <a:ext uri="{FF2B5EF4-FFF2-40B4-BE49-F238E27FC236}">
+                <a16:creationId xmlns:a16="http://schemas.microsoft.com/office/drawing/2014/main" id="{C0B211FA-19F5-C7FC-5346-FAC29121B73E}"/>
+              </a:ext>
+            </a:extLst>
+          </p:cNvPr>
+          <p:cNvCxnSpPr>
+            <a:cxnSpLocks/>
+            <a:stCxn id="75" idx="2"/>
+          </p:cNvCxnSpPr>
+          <p:nvPr/>
+        </p:nvCxnSpPr>
+        <p:spPr>
+          <a:xfrm>
+            <a:off x="9610047" y="1680131"/>
+            <a:ext cx="0" cy="342900"/>
+          </a:xfrm>
+          <a:prstGeom prst="straightConnector1">
+            <a:avLst/>
+          </a:prstGeom>
+          <a:ln>
+            <a:tailEnd type="triangle"/>
+          </a:ln>
+        </p:spPr>
+        <p:style>
+          <a:lnRef idx="2">
+            <a:schemeClr val="dk1"/>
+          </a:lnRef>
+          <a:fillRef idx="0">
+            <a:schemeClr val="dk1"/>
+          </a:fillRef>
+          <a:effectRef idx="1">
+            <a:schemeClr val="dk1"/>
+          </a:effectRef>
+          <a:fontRef idx="minor">
+            <a:schemeClr val="tx1"/>
+          </a:fontRef>
+        </p:style>
+      </p:cxnSp>
+      <p:cxnSp>
+        <p:nvCxnSpPr>
+          <p:cNvPr id="80" name="直接箭头连接符 79">
+            <a:extLst>
+              <a:ext uri="{FF2B5EF4-FFF2-40B4-BE49-F238E27FC236}">
+                <a16:creationId xmlns:a16="http://schemas.microsoft.com/office/drawing/2014/main" id="{91C02B21-C3DD-215C-FC47-064AE531ECCA}"/>
+              </a:ext>
+            </a:extLst>
+          </p:cNvPr>
+          <p:cNvCxnSpPr>
+            <a:cxnSpLocks/>
+          </p:cNvCxnSpPr>
+          <p:nvPr/>
+        </p:nvCxnSpPr>
+        <p:spPr>
+          <a:xfrm>
+            <a:off x="9610047" y="2747863"/>
+            <a:ext cx="0" cy="342900"/>
+          </a:xfrm>
+          <a:prstGeom prst="straightConnector1">
+            <a:avLst/>
+          </a:prstGeom>
+          <a:ln>
+            <a:tailEnd type="triangle"/>
+          </a:ln>
+        </p:spPr>
+        <p:style>
+          <a:lnRef idx="2">
+            <a:schemeClr val="dk1"/>
+          </a:lnRef>
+          <a:fillRef idx="0">
+            <a:schemeClr val="dk1"/>
+          </a:fillRef>
+          <a:effectRef idx="1">
+            <a:schemeClr val="dk1"/>
+          </a:effectRef>
+          <a:fontRef idx="minor">
+            <a:schemeClr val="tx1"/>
+          </a:fontRef>
+        </p:style>
+      </p:cxnSp>
+      <p:sp>
+        <p:nvSpPr>
+          <p:cNvPr id="81" name="文本框 80">
+            <a:extLst>
+              <a:ext uri="{FF2B5EF4-FFF2-40B4-BE49-F238E27FC236}">
+                <a16:creationId xmlns:a16="http://schemas.microsoft.com/office/drawing/2014/main" id="{7CA9F191-0FCA-9E88-B293-25E9AED76E1F}"/>
+              </a:ext>
+            </a:extLst>
+          </p:cNvPr>
+          <p:cNvSpPr txBox="1"/>
+          <p:nvPr/>
+        </p:nvSpPr>
+        <p:spPr>
+          <a:xfrm>
+            <a:off x="9108397" y="3098601"/>
+            <a:ext cx="1003297" cy="635000"/>
+          </a:xfrm>
+          <a:prstGeom prst="rect">
+            <a:avLst/>
+          </a:prstGeom>
+          <a:noFill/>
+          <a:ln w="19050">
+            <a:solidFill>
+              <a:schemeClr val="tx1"/>
+            </a:solidFill>
+          </a:ln>
+        </p:spPr>
+        <p:txBody>
+          <a:bodyPr wrap="square" rtlCol="0">
+            <a:spAutoFit/>
+          </a:bodyPr>
+          <a:lstStyle/>
+          <a:p>
+            <a:endParaRPr lang="zh-CN" altLang="en-US" dirty="0"/>
+          </a:p>
+        </p:txBody>
+      </p:sp>
+      <p:sp>
+        <p:nvSpPr>
+          <p:cNvPr id="82" name="文本框 81">
+            <a:extLst>
+              <a:ext uri="{FF2B5EF4-FFF2-40B4-BE49-F238E27FC236}">
+                <a16:creationId xmlns:a16="http://schemas.microsoft.com/office/drawing/2014/main" id="{61317F64-A7F7-C006-306A-CE0B877B5149}"/>
+              </a:ext>
+            </a:extLst>
+          </p:cNvPr>
+          <p:cNvSpPr txBox="1"/>
+          <p:nvPr/>
+        </p:nvSpPr>
+        <p:spPr>
+          <a:xfrm>
+            <a:off x="9144509" y="3241446"/>
+            <a:ext cx="931071" cy="400110"/>
+          </a:xfrm>
+          <a:prstGeom prst="rect">
+            <a:avLst/>
+          </a:prstGeom>
+          <a:noFill/>
+        </p:spPr>
+        <p:txBody>
+          <a:bodyPr wrap="square" rtlCol="0">
+            <a:spAutoFit/>
+          </a:bodyPr>
+          <a:lstStyle/>
+          <a:p>
+            <a:pPr algn="ctr"/>
+            <a:r>
+              <a:rPr lang="zh-CN" altLang="en-US" sz="1000" dirty="0"/>
+              <a:t>获取接收机坐标数据</a:t>
+            </a:r>
+          </a:p>
+        </p:txBody>
+      </p:sp>
+      <p:cxnSp>
+        <p:nvCxnSpPr>
+          <p:cNvPr id="83" name="直接箭头连接符 82">
+            <a:extLst>
+              <a:ext uri="{FF2B5EF4-FFF2-40B4-BE49-F238E27FC236}">
+                <a16:creationId xmlns:a16="http://schemas.microsoft.com/office/drawing/2014/main" id="{C68BC14A-F6CB-3DEF-BA4F-65DAE250652D}"/>
+              </a:ext>
+            </a:extLst>
+          </p:cNvPr>
+          <p:cNvCxnSpPr>
+            <a:cxnSpLocks/>
+          </p:cNvCxnSpPr>
+          <p:nvPr/>
+        </p:nvCxnSpPr>
+        <p:spPr>
+          <a:xfrm>
+            <a:off x="9610048" y="3733601"/>
+            <a:ext cx="0" cy="342900"/>
+          </a:xfrm>
+          <a:prstGeom prst="straightConnector1">
+            <a:avLst/>
+          </a:prstGeom>
+          <a:ln>
+            <a:tailEnd type="triangle"/>
+          </a:ln>
+        </p:spPr>
+        <p:style>
+          <a:lnRef idx="2">
+            <a:schemeClr val="dk1"/>
+          </a:lnRef>
+          <a:fillRef idx="0">
+            <a:schemeClr val="dk1"/>
+          </a:fillRef>
+          <a:effectRef idx="1">
+            <a:schemeClr val="dk1"/>
+          </a:effectRef>
+          <a:fontRef idx="minor">
+            <a:schemeClr val="tx1"/>
+          </a:fontRef>
+        </p:style>
+      </p:cxnSp>
+      <p:sp>
+        <p:nvSpPr>
+          <p:cNvPr id="84" name="文本框 83">
+            <a:extLst>
+              <a:ext uri="{FF2B5EF4-FFF2-40B4-BE49-F238E27FC236}">
+                <a16:creationId xmlns:a16="http://schemas.microsoft.com/office/drawing/2014/main" id="{7854CC83-BE7E-8EE8-E3FC-77AF3B03F73A}"/>
+              </a:ext>
+            </a:extLst>
+          </p:cNvPr>
+          <p:cNvSpPr txBox="1"/>
+          <p:nvPr/>
+        </p:nvSpPr>
+        <p:spPr>
+          <a:xfrm>
+            <a:off x="9108398" y="4084339"/>
+            <a:ext cx="1003297" cy="635000"/>
+          </a:xfrm>
+          <a:prstGeom prst="rect">
+            <a:avLst/>
+          </a:prstGeom>
+          <a:noFill/>
+          <a:ln w="19050">
+            <a:solidFill>
+              <a:schemeClr val="tx1"/>
+            </a:solidFill>
+          </a:ln>
+        </p:spPr>
+        <p:txBody>
+          <a:bodyPr wrap="square" rtlCol="0">
+            <a:spAutoFit/>
+          </a:bodyPr>
+          <a:lstStyle/>
+          <a:p>
+            <a:endParaRPr lang="zh-CN" altLang="en-US" dirty="0"/>
+          </a:p>
+        </p:txBody>
+      </p:sp>
+      <p:sp>
+        <p:nvSpPr>
+          <p:cNvPr id="85" name="文本框 84">
+            <a:extLst>
+              <a:ext uri="{FF2B5EF4-FFF2-40B4-BE49-F238E27FC236}">
+                <a16:creationId xmlns:a16="http://schemas.microsoft.com/office/drawing/2014/main" id="{3EE2A266-0AC3-56DC-CD3C-976C5313F815}"/>
+              </a:ext>
+            </a:extLst>
+          </p:cNvPr>
+          <p:cNvSpPr txBox="1"/>
+          <p:nvPr/>
+        </p:nvSpPr>
+        <p:spPr>
+          <a:xfrm>
+            <a:off x="9144510" y="4227184"/>
+            <a:ext cx="931071" cy="400110"/>
+          </a:xfrm>
+          <a:prstGeom prst="rect">
+            <a:avLst/>
+          </a:prstGeom>
+          <a:noFill/>
+        </p:spPr>
+        <p:txBody>
+          <a:bodyPr wrap="square" rtlCol="0">
+            <a:spAutoFit/>
+          </a:bodyPr>
+          <a:lstStyle/>
+          <a:p>
+            <a:pPr algn="ctr"/>
+            <a:r>
+              <a:rPr lang="zh-CN" altLang="en-US" sz="1000" dirty="0"/>
+              <a:t>启动云台</a:t>
+            </a:r>
+            <a:r>
+              <a:rPr lang="en-US" altLang="zh-CN" sz="1000" dirty="0"/>
+              <a:t>PID</a:t>
+            </a:r>
+            <a:r>
+              <a:rPr lang="zh-CN" altLang="en-US" sz="1000" dirty="0"/>
+              <a:t>控制</a:t>
+            </a:r>
+          </a:p>
+        </p:txBody>
+      </p:sp>
+      <p:sp>
+        <p:nvSpPr>
+          <p:cNvPr id="86" name="矩形: 圆角 85">
+            <a:extLst>
+              <a:ext uri="{FF2B5EF4-FFF2-40B4-BE49-F238E27FC236}">
+                <a16:creationId xmlns:a16="http://schemas.microsoft.com/office/drawing/2014/main" id="{EFB2E405-BF5E-BC07-F35C-A0E784FF8EDA}"/>
+              </a:ext>
+            </a:extLst>
+          </p:cNvPr>
+          <p:cNvSpPr/>
+          <p:nvPr/>
+        </p:nvSpPr>
+        <p:spPr>
+          <a:xfrm>
+            <a:off x="9114748" y="5070077"/>
+            <a:ext cx="1003300" cy="508000"/>
+          </a:xfrm>
+          <a:prstGeom prst="roundRect">
+            <a:avLst/>
+          </a:prstGeom>
+          <a:noFill/>
+          <a:ln w="19050"/>
+        </p:spPr>
+        <p:style>
+          <a:lnRef idx="2">
+            <a:schemeClr val="accent1">
+              <a:shade val="15000"/>
+            </a:schemeClr>
+          </a:lnRef>
+          <a:fillRef idx="1">
+            <a:schemeClr val="accent1"/>
+          </a:fillRef>
+          <a:effectRef idx="0">
+            <a:schemeClr val="accent1"/>
+          </a:effectRef>
+          <a:fontRef idx="minor">
+            <a:schemeClr val="lt1"/>
+          </a:fontRef>
+        </p:style>
+        <p:txBody>
+          <a:bodyPr rtlCol="0" anchor="ctr"/>
+          <a:lstStyle/>
+          <a:p>
+            <a:pPr algn="ctr"/>
+            <a:endParaRPr lang="zh-CN" altLang="en-US">
+              <a:solidFill>
+                <a:schemeClr val="bg1"/>
+              </a:solidFill>
+            </a:endParaRPr>
+          </a:p>
+        </p:txBody>
+      </p:sp>
+      <p:sp>
+        <p:nvSpPr>
+          <p:cNvPr id="87" name="文本框 86">
+            <a:extLst>
+              <a:ext uri="{FF2B5EF4-FFF2-40B4-BE49-F238E27FC236}">
+                <a16:creationId xmlns:a16="http://schemas.microsoft.com/office/drawing/2014/main" id="{F36FCB39-8EA3-D6EE-5D80-BF59F01BFB3D}"/>
+              </a:ext>
+            </a:extLst>
+          </p:cNvPr>
+          <p:cNvSpPr txBox="1"/>
+          <p:nvPr/>
+        </p:nvSpPr>
+        <p:spPr>
+          <a:xfrm>
+            <a:off x="9319934" y="5170188"/>
+            <a:ext cx="755650" cy="307777"/>
+          </a:xfrm>
+          <a:prstGeom prst="rect">
+            <a:avLst/>
+          </a:prstGeom>
+          <a:noFill/>
+        </p:spPr>
+        <p:txBody>
+          <a:bodyPr wrap="square" rtlCol="0">
+            <a:spAutoFit/>
+          </a:bodyPr>
+          <a:lstStyle/>
+          <a:p>
+            <a:r>
+              <a:rPr lang="zh-CN" altLang="en-US" sz="1400" dirty="0"/>
+              <a:t>结束</a:t>
+            </a:r>
+          </a:p>
+        </p:txBody>
+      </p:sp>
+      <p:cxnSp>
+        <p:nvCxnSpPr>
+          <p:cNvPr id="88" name="直接箭头连接符 87">
+            <a:extLst>
+              <a:ext uri="{FF2B5EF4-FFF2-40B4-BE49-F238E27FC236}">
+                <a16:creationId xmlns:a16="http://schemas.microsoft.com/office/drawing/2014/main" id="{DAC15A6D-5FB4-DC51-563C-DCC001DCDABE}"/>
+              </a:ext>
+            </a:extLst>
+          </p:cNvPr>
+          <p:cNvCxnSpPr>
+            <a:cxnSpLocks/>
+          </p:cNvCxnSpPr>
+          <p:nvPr/>
+        </p:nvCxnSpPr>
+        <p:spPr>
+          <a:xfrm>
+            <a:off x="9616398" y="4719339"/>
+            <a:ext cx="0" cy="342900"/>
+          </a:xfrm>
+          <a:prstGeom prst="straightConnector1">
+            <a:avLst/>
+          </a:prstGeom>
+          <a:ln>
+            <a:tailEnd type="triangle"/>
+          </a:ln>
+        </p:spPr>
+        <p:style>
+          <a:lnRef idx="2">
+            <a:schemeClr val="dk1"/>
+          </a:lnRef>
+          <a:fillRef idx="0">
+            <a:schemeClr val="dk1"/>
+          </a:fillRef>
+          <a:effectRef idx="1">
+            <a:schemeClr val="dk1"/>
+          </a:effectRef>
+          <a:fontRef idx="minor">
+            <a:schemeClr val="tx1"/>
+          </a:fontRef>
+        </p:style>
+      </p:cxnSp>
+      <p:sp>
+        <p:nvSpPr>
+          <p:cNvPr id="89" name="流程图: 决策 88">
+            <a:extLst>
+              <a:ext uri="{FF2B5EF4-FFF2-40B4-BE49-F238E27FC236}">
+                <a16:creationId xmlns:a16="http://schemas.microsoft.com/office/drawing/2014/main" id="{BA078DF0-8F31-8DF9-CDCB-3BBE0B4C95EA}"/>
+              </a:ext>
+            </a:extLst>
+          </p:cNvPr>
+          <p:cNvSpPr/>
+          <p:nvPr/>
+        </p:nvSpPr>
+        <p:spPr>
+          <a:xfrm>
+            <a:off x="8973818" y="2016126"/>
+            <a:ext cx="1272457" cy="739575"/>
+          </a:xfrm>
+          <a:prstGeom prst="flowChartDecision">
+            <a:avLst/>
+          </a:prstGeom>
+          <a:noFill/>
+          <a:ln w="19050"/>
+        </p:spPr>
+        <p:style>
+          <a:lnRef idx="2">
+            <a:schemeClr val="accent1">
+              <a:shade val="15000"/>
+            </a:schemeClr>
+          </a:lnRef>
+          <a:fillRef idx="1">
+            <a:schemeClr val="accent1"/>
+          </a:fillRef>
+          <a:effectRef idx="0">
+            <a:schemeClr val="accent1"/>
+          </a:effectRef>
+          <a:fontRef idx="minor">
+            <a:schemeClr val="lt1"/>
+          </a:fontRef>
+        </p:style>
+        <p:txBody>
+          <a:bodyPr rtlCol="0" anchor="ctr"/>
+          <a:lstStyle/>
+          <a:p>
+            <a:pPr algn="ctr"/>
+            <a:endParaRPr lang="zh-CN" altLang="en-US"/>
+          </a:p>
+        </p:txBody>
+      </p:sp>
+      <p:sp>
+        <p:nvSpPr>
+          <p:cNvPr id="90" name="文本框 89">
+            <a:extLst>
+              <a:ext uri="{FF2B5EF4-FFF2-40B4-BE49-F238E27FC236}">
+                <a16:creationId xmlns:a16="http://schemas.microsoft.com/office/drawing/2014/main" id="{E4A9FEB9-B1E6-CF0D-1FD3-1FE4818A1A72}"/>
+              </a:ext>
+            </a:extLst>
+          </p:cNvPr>
+          <p:cNvSpPr txBox="1"/>
+          <p:nvPr/>
+        </p:nvSpPr>
+        <p:spPr>
+          <a:xfrm>
+            <a:off x="9134348" y="2204908"/>
+            <a:ext cx="931071" cy="400110"/>
+          </a:xfrm>
+          <a:prstGeom prst="rect">
+            <a:avLst/>
+          </a:prstGeom>
+          <a:noFill/>
+        </p:spPr>
+        <p:txBody>
+          <a:bodyPr wrap="square" rtlCol="0">
+            <a:spAutoFit/>
+          </a:bodyPr>
+          <a:lstStyle/>
+          <a:p>
+            <a:pPr algn="ctr"/>
+            <a:r>
+              <a:rPr lang="zh-CN" altLang="en-US" sz="1000" dirty="0"/>
+              <a:t>是否有音符按下</a:t>
+            </a:r>
+          </a:p>
+        </p:txBody>
+      </p:sp>
+      <p:sp>
+        <p:nvSpPr>
+          <p:cNvPr id="91" name="文本框 90">
+            <a:extLst>
+              <a:ext uri="{FF2B5EF4-FFF2-40B4-BE49-F238E27FC236}">
+                <a16:creationId xmlns:a16="http://schemas.microsoft.com/office/drawing/2014/main" id="{CA1888DC-6F57-5495-CE08-6376E440F9B7}"/>
+              </a:ext>
+            </a:extLst>
+          </p:cNvPr>
+          <p:cNvSpPr txBox="1"/>
+          <p:nvPr/>
+        </p:nvSpPr>
+        <p:spPr>
+          <a:xfrm>
+            <a:off x="9356047" y="2740025"/>
+            <a:ext cx="931071" cy="246221"/>
+          </a:xfrm>
+          <a:prstGeom prst="rect">
+            <a:avLst/>
+          </a:prstGeom>
+          <a:noFill/>
+        </p:spPr>
+        <p:txBody>
+          <a:bodyPr wrap="square" rtlCol="0">
+            <a:spAutoFit/>
+          </a:bodyPr>
+          <a:lstStyle/>
+          <a:p>
+            <a:pPr algn="ctr"/>
+            <a:r>
+              <a:rPr lang="zh-CN" altLang="en-US" sz="1000" dirty="0"/>
+              <a:t>是</a:t>
+            </a:r>
+          </a:p>
+        </p:txBody>
+      </p:sp>
+      <p:sp>
+        <p:nvSpPr>
+          <p:cNvPr id="92" name="文本框 91">
+            <a:extLst>
+              <a:ext uri="{FF2B5EF4-FFF2-40B4-BE49-F238E27FC236}">
+                <a16:creationId xmlns:a16="http://schemas.microsoft.com/office/drawing/2014/main" id="{4FB61E5E-6C21-FA5F-514B-264078EA8BC2}"/>
+              </a:ext>
+            </a:extLst>
+          </p:cNvPr>
+          <p:cNvSpPr txBox="1"/>
+          <p:nvPr/>
+        </p:nvSpPr>
+        <p:spPr>
+          <a:xfrm>
+            <a:off x="10381397" y="3090763"/>
+            <a:ext cx="1003297" cy="635000"/>
+          </a:xfrm>
+          <a:prstGeom prst="rect">
+            <a:avLst/>
+          </a:prstGeom>
+          <a:noFill/>
+          <a:ln w="19050">
+            <a:solidFill>
+              <a:schemeClr val="tx1"/>
+            </a:solidFill>
+          </a:ln>
+        </p:spPr>
+        <p:txBody>
+          <a:bodyPr wrap="square" rtlCol="0">
+            <a:spAutoFit/>
+          </a:bodyPr>
+          <a:lstStyle/>
+          <a:p>
+            <a:endParaRPr lang="zh-CN" altLang="en-US" dirty="0"/>
+          </a:p>
+        </p:txBody>
+      </p:sp>
+      <p:sp>
+        <p:nvSpPr>
+          <p:cNvPr id="93" name="文本框 92">
+            <a:extLst>
+              <a:ext uri="{FF2B5EF4-FFF2-40B4-BE49-F238E27FC236}">
+                <a16:creationId xmlns:a16="http://schemas.microsoft.com/office/drawing/2014/main" id="{1C718E0F-04EC-D858-2DA1-0759CAE36C6D}"/>
+              </a:ext>
+            </a:extLst>
+          </p:cNvPr>
+          <p:cNvSpPr txBox="1"/>
+          <p:nvPr/>
+        </p:nvSpPr>
+        <p:spPr>
+          <a:xfrm>
+            <a:off x="10417509" y="3233608"/>
+            <a:ext cx="931071" cy="400110"/>
+          </a:xfrm>
+          <a:prstGeom prst="rect">
+            <a:avLst/>
+          </a:prstGeom>
+          <a:noFill/>
+        </p:spPr>
+        <p:txBody>
+          <a:bodyPr wrap="square" rtlCol="0">
+            <a:spAutoFit/>
+          </a:bodyPr>
+          <a:lstStyle/>
+          <a:p>
+            <a:pPr algn="ctr"/>
+            <a:r>
+              <a:rPr lang="zh-CN" altLang="en-US" sz="1000" dirty="0"/>
+              <a:t>发送停止音符</a:t>
+            </a:r>
+          </a:p>
+        </p:txBody>
+      </p:sp>
+      <p:cxnSp>
+        <p:nvCxnSpPr>
+          <p:cNvPr id="103" name="连接符: 肘形 102">
+            <a:extLst>
+              <a:ext uri="{FF2B5EF4-FFF2-40B4-BE49-F238E27FC236}">
+                <a16:creationId xmlns:a16="http://schemas.microsoft.com/office/drawing/2014/main" id="{B9AEDAEE-D2AE-1850-C3FE-15291F23C74F}"/>
+              </a:ext>
+            </a:extLst>
+          </p:cNvPr>
+          <p:cNvCxnSpPr>
+            <a:cxnSpLocks/>
+            <a:stCxn id="89" idx="3"/>
+            <a:endCxn id="92" idx="0"/>
+          </p:cNvCxnSpPr>
+          <p:nvPr/>
+        </p:nvCxnSpPr>
+        <p:spPr>
+          <a:xfrm>
+            <a:off x="10246275" y="2385914"/>
+            <a:ext cx="636771" cy="704849"/>
+          </a:xfrm>
+          <a:prstGeom prst="bentConnector2">
+            <a:avLst/>
+          </a:prstGeom>
+          <a:ln w="12700">
+            <a:solidFill>
+              <a:schemeClr val="tx1"/>
+            </a:solidFill>
+            <a:tailEnd type="triangle"/>
+          </a:ln>
+        </p:spPr>
+        <p:style>
+          <a:lnRef idx="1">
+            <a:schemeClr val="accent1"/>
+          </a:lnRef>
+          <a:fillRef idx="0">
+            <a:schemeClr val="accent1"/>
+          </a:fillRef>
+          <a:effectRef idx="0">
+            <a:schemeClr val="accent1"/>
+          </a:effectRef>
+          <a:fontRef idx="minor">
+            <a:schemeClr val="tx1"/>
+          </a:fontRef>
+        </p:style>
+      </p:cxnSp>
+      <p:sp>
+        <p:nvSpPr>
+          <p:cNvPr id="105" name="文本框 104">
+            <a:extLst>
+              <a:ext uri="{FF2B5EF4-FFF2-40B4-BE49-F238E27FC236}">
+                <a16:creationId xmlns:a16="http://schemas.microsoft.com/office/drawing/2014/main" id="{774DE2F9-E7BD-6E54-F2DA-DDC5EF2D4D1F}"/>
+              </a:ext>
+            </a:extLst>
+          </p:cNvPr>
+          <p:cNvSpPr txBox="1"/>
+          <p:nvPr/>
+        </p:nvSpPr>
+        <p:spPr>
+          <a:xfrm>
+            <a:off x="10011367" y="2111548"/>
+            <a:ext cx="931071" cy="246221"/>
+          </a:xfrm>
+          <a:prstGeom prst="rect">
+            <a:avLst/>
+          </a:prstGeom>
+          <a:noFill/>
+        </p:spPr>
+        <p:txBody>
+          <a:bodyPr wrap="square" rtlCol="0">
+            <a:spAutoFit/>
+          </a:bodyPr>
+          <a:lstStyle/>
+          <a:p>
+            <a:pPr algn="ctr"/>
+            <a:r>
+              <a:rPr lang="zh-CN" altLang="en-US" sz="1000" dirty="0"/>
+              <a:t>否</a:t>
+            </a:r>
+          </a:p>
+        </p:txBody>
+      </p:sp>
+      <p:cxnSp>
+        <p:nvCxnSpPr>
+          <p:cNvPr id="107" name="连接符: 肘形 106">
+            <a:extLst>
+              <a:ext uri="{FF2B5EF4-FFF2-40B4-BE49-F238E27FC236}">
+                <a16:creationId xmlns:a16="http://schemas.microsoft.com/office/drawing/2014/main" id="{E3F0A559-543F-545C-E312-9EE9AB86B655}"/>
+              </a:ext>
+            </a:extLst>
+          </p:cNvPr>
+          <p:cNvCxnSpPr>
+            <a:cxnSpLocks/>
+            <a:stCxn id="92" idx="2"/>
+          </p:cNvCxnSpPr>
+          <p:nvPr/>
+        </p:nvCxnSpPr>
+        <p:spPr>
+          <a:xfrm rot="5400000">
+            <a:off x="9691532" y="3670669"/>
+            <a:ext cx="1136421" cy="1246608"/>
+          </a:xfrm>
+          <a:prstGeom prst="bentConnector2">
+            <a:avLst/>
+          </a:prstGeom>
+          <a:ln w="12700">
+            <a:solidFill>
+              <a:schemeClr val="tx1"/>
+            </a:solidFill>
+            <a:tailEnd type="triangle"/>
+          </a:ln>
+        </p:spPr>
+        <p:style>
+          <a:lnRef idx="1">
+            <a:schemeClr val="accent1"/>
+          </a:lnRef>
+          <a:fillRef idx="0">
+            <a:schemeClr val="accent1"/>
+          </a:fillRef>
+          <a:effectRef idx="0">
+            <a:schemeClr val="accent1"/>
+          </a:effectRef>
+          <a:fontRef idx="minor">
+            <a:schemeClr val="tx1"/>
+          </a:fontRef>
+        </p:style>
+      </p:cxnSp>
     </p:spTree>
     <p:extLst>
       <p:ext uri="{BB962C8B-B14F-4D97-AF65-F5344CB8AC3E}">
         <p14:creationId xmlns:p14="http://schemas.microsoft.com/office/powerpoint/2010/main" val="4021855590"/>
+      </p:ext>
+    </p:extLst>
+  </p:cSld>
+  <p:clrMapOvr>
+    <a:masterClrMapping/>
+  </p:clrMapOvr>
+</p:sld>
+</file>
+
+<file path=ppt/slides/slide3.xml><?xml version="1.0" encoding="utf-8"?>
+<p:sld xmlns:a="http://schemas.openxmlformats.org/drawingml/2006/main" xmlns:r="http://schemas.openxmlformats.org/officeDocument/2006/relationships" xmlns:p="http://schemas.openxmlformats.org/presentationml/2006/main">
+  <p:cSld>
+    <p:spTree>
+      <p:nvGrpSpPr>
+        <p:cNvPr id="1" name=""/>
+        <p:cNvGrpSpPr/>
+        <p:nvPr/>
+      </p:nvGrpSpPr>
+      <p:grpSpPr>
+        <a:xfrm>
+          <a:off x="0" y="0"/>
+          <a:ext cx="0" cy="0"/>
+          <a:chOff x="0" y="0"/>
+          <a:chExt cx="0" cy="0"/>
+        </a:xfrm>
+      </p:grpSpPr>
+      <p:sp>
+        <p:nvSpPr>
+          <p:cNvPr id="4" name="矩形: 圆角 3">
+            <a:extLst>
+              <a:ext uri="{FF2B5EF4-FFF2-40B4-BE49-F238E27FC236}">
+                <a16:creationId xmlns:a16="http://schemas.microsoft.com/office/drawing/2014/main" id="{87FB59FC-8504-10D9-B710-9F3925B27A27}"/>
+              </a:ext>
+            </a:extLst>
+          </p:cNvPr>
+          <p:cNvSpPr/>
+          <p:nvPr/>
+        </p:nvSpPr>
+        <p:spPr>
+          <a:xfrm>
+            <a:off x="5506638" y="1111250"/>
+            <a:ext cx="1003300" cy="508000"/>
+          </a:xfrm>
+          <a:prstGeom prst="roundRect">
+            <a:avLst/>
+          </a:prstGeom>
+          <a:noFill/>
+          <a:ln w="19050"/>
+        </p:spPr>
+        <p:style>
+          <a:lnRef idx="2">
+            <a:schemeClr val="accent1">
+              <a:shade val="15000"/>
+            </a:schemeClr>
+          </a:lnRef>
+          <a:fillRef idx="1">
+            <a:schemeClr val="accent1"/>
+          </a:fillRef>
+          <a:effectRef idx="0">
+            <a:schemeClr val="accent1"/>
+          </a:effectRef>
+          <a:fontRef idx="minor">
+            <a:schemeClr val="lt1"/>
+          </a:fontRef>
+        </p:style>
+        <p:txBody>
+          <a:bodyPr rtlCol="0" anchor="ctr"/>
+          <a:lstStyle/>
+          <a:p>
+            <a:pPr algn="ctr"/>
+            <a:endParaRPr lang="zh-CN" altLang="en-US">
+              <a:solidFill>
+                <a:schemeClr val="bg1"/>
+              </a:solidFill>
+            </a:endParaRPr>
+          </a:p>
+        </p:txBody>
+      </p:sp>
+      <p:sp>
+        <p:nvSpPr>
+          <p:cNvPr id="5" name="文本框 4">
+            <a:extLst>
+              <a:ext uri="{FF2B5EF4-FFF2-40B4-BE49-F238E27FC236}">
+                <a16:creationId xmlns:a16="http://schemas.microsoft.com/office/drawing/2014/main" id="{085131D2-2DCE-6580-963C-3AD4FDEC7C2B}"/>
+              </a:ext>
+            </a:extLst>
+          </p:cNvPr>
+          <p:cNvSpPr txBox="1"/>
+          <p:nvPr/>
+        </p:nvSpPr>
+        <p:spPr>
+          <a:xfrm>
+            <a:off x="5754288" y="1211361"/>
+            <a:ext cx="755650" cy="307777"/>
+          </a:xfrm>
+          <a:prstGeom prst="rect">
+            <a:avLst/>
+          </a:prstGeom>
+          <a:noFill/>
+        </p:spPr>
+        <p:txBody>
+          <a:bodyPr wrap="square" rtlCol="0">
+            <a:spAutoFit/>
+          </a:bodyPr>
+          <a:lstStyle/>
+          <a:p>
+            <a:r>
+              <a:rPr lang="zh-CN" altLang="en-US" sz="1400" dirty="0"/>
+              <a:t>开始</a:t>
+            </a:r>
+          </a:p>
+        </p:txBody>
+      </p:sp>
+      <p:sp>
+        <p:nvSpPr>
+          <p:cNvPr id="6" name="文本框 5">
+            <a:extLst>
+              <a:ext uri="{FF2B5EF4-FFF2-40B4-BE49-F238E27FC236}">
+                <a16:creationId xmlns:a16="http://schemas.microsoft.com/office/drawing/2014/main" id="{F58F3163-4222-0705-35F3-592DC3463D6C}"/>
+              </a:ext>
+            </a:extLst>
+          </p:cNvPr>
+          <p:cNvSpPr txBox="1"/>
+          <p:nvPr/>
+        </p:nvSpPr>
+        <p:spPr>
+          <a:xfrm>
+            <a:off x="4750991" y="2192238"/>
+            <a:ext cx="1003297" cy="635000"/>
+          </a:xfrm>
+          <a:prstGeom prst="rect">
+            <a:avLst/>
+          </a:prstGeom>
+          <a:noFill/>
+          <a:ln w="19050">
+            <a:solidFill>
+              <a:schemeClr val="tx1"/>
+            </a:solidFill>
+          </a:ln>
+        </p:spPr>
+        <p:txBody>
+          <a:bodyPr wrap="square" rtlCol="0">
+            <a:spAutoFit/>
+          </a:bodyPr>
+          <a:lstStyle/>
+          <a:p>
+            <a:endParaRPr lang="zh-CN" altLang="en-US" dirty="0"/>
+          </a:p>
+        </p:txBody>
+      </p:sp>
+      <p:sp>
+        <p:nvSpPr>
+          <p:cNvPr id="7" name="文本框 6">
+            <a:extLst>
+              <a:ext uri="{FF2B5EF4-FFF2-40B4-BE49-F238E27FC236}">
+                <a16:creationId xmlns:a16="http://schemas.microsoft.com/office/drawing/2014/main" id="{56A5E5F0-F320-C714-4587-033E06980584}"/>
+              </a:ext>
+            </a:extLst>
+          </p:cNvPr>
+          <p:cNvSpPr txBox="1"/>
+          <p:nvPr/>
+        </p:nvSpPr>
+        <p:spPr>
+          <a:xfrm>
+            <a:off x="4750991" y="2309683"/>
+            <a:ext cx="931071" cy="400110"/>
+          </a:xfrm>
+          <a:prstGeom prst="rect">
+            <a:avLst/>
+          </a:prstGeom>
+          <a:noFill/>
+        </p:spPr>
+        <p:txBody>
+          <a:bodyPr wrap="square" rtlCol="0">
+            <a:spAutoFit/>
+          </a:bodyPr>
+          <a:lstStyle/>
+          <a:p>
+            <a:pPr algn="ctr"/>
+            <a:r>
+              <a:rPr lang="zh-CN" altLang="en-US" sz="1000" dirty="0"/>
+              <a:t>串口屏按键操作</a:t>
+            </a:r>
+          </a:p>
+        </p:txBody>
+      </p:sp>
+      <p:sp>
+        <p:nvSpPr>
+          <p:cNvPr id="8" name="文本框 7">
+            <a:extLst>
+              <a:ext uri="{FF2B5EF4-FFF2-40B4-BE49-F238E27FC236}">
+                <a16:creationId xmlns:a16="http://schemas.microsoft.com/office/drawing/2014/main" id="{92F7E568-31D4-4F5B-9147-475BE4AE45A7}"/>
+              </a:ext>
+            </a:extLst>
+          </p:cNvPr>
+          <p:cNvSpPr txBox="1"/>
+          <p:nvPr/>
+        </p:nvSpPr>
+        <p:spPr>
+          <a:xfrm>
+            <a:off x="4750991" y="3265388"/>
+            <a:ext cx="1003297" cy="635000"/>
+          </a:xfrm>
+          <a:prstGeom prst="rect">
+            <a:avLst/>
+          </a:prstGeom>
+          <a:noFill/>
+          <a:ln w="19050">
+            <a:solidFill>
+              <a:schemeClr val="tx1"/>
+            </a:solidFill>
+          </a:ln>
+        </p:spPr>
+        <p:txBody>
+          <a:bodyPr wrap="square" rtlCol="0">
+            <a:spAutoFit/>
+          </a:bodyPr>
+          <a:lstStyle/>
+          <a:p>
+            <a:endParaRPr lang="zh-CN" altLang="en-US" dirty="0"/>
+          </a:p>
+        </p:txBody>
+      </p:sp>
+      <p:sp>
+        <p:nvSpPr>
+          <p:cNvPr id="9" name="文本框 8">
+            <a:extLst>
+              <a:ext uri="{FF2B5EF4-FFF2-40B4-BE49-F238E27FC236}">
+                <a16:creationId xmlns:a16="http://schemas.microsoft.com/office/drawing/2014/main" id="{8D46EBCC-52CB-FA50-4DF8-D29120FD9572}"/>
+              </a:ext>
+            </a:extLst>
+          </p:cNvPr>
+          <p:cNvSpPr txBox="1"/>
+          <p:nvPr/>
+        </p:nvSpPr>
+        <p:spPr>
+          <a:xfrm>
+            <a:off x="4750991" y="3382833"/>
+            <a:ext cx="931071" cy="400110"/>
+          </a:xfrm>
+          <a:prstGeom prst="rect">
+            <a:avLst/>
+          </a:prstGeom>
+          <a:noFill/>
+        </p:spPr>
+        <p:txBody>
+          <a:bodyPr wrap="square" rtlCol="0">
+            <a:spAutoFit/>
+          </a:bodyPr>
+          <a:lstStyle/>
+          <a:p>
+            <a:pPr algn="ctr"/>
+            <a:r>
+              <a:rPr lang="zh-CN" altLang="en-US" sz="1000" dirty="0"/>
+              <a:t>主控接收串口屏指令</a:t>
+            </a:r>
+          </a:p>
+        </p:txBody>
+      </p:sp>
+      <p:sp>
+        <p:nvSpPr>
+          <p:cNvPr id="10" name="文本框 9">
+            <a:extLst>
+              <a:ext uri="{FF2B5EF4-FFF2-40B4-BE49-F238E27FC236}">
+                <a16:creationId xmlns:a16="http://schemas.microsoft.com/office/drawing/2014/main" id="{E4BF88CD-222C-70C1-A651-779D815D1C37}"/>
+              </a:ext>
+            </a:extLst>
+          </p:cNvPr>
+          <p:cNvSpPr txBox="1"/>
+          <p:nvPr/>
+        </p:nvSpPr>
+        <p:spPr>
+          <a:xfrm>
+            <a:off x="6255941" y="2192238"/>
+            <a:ext cx="1003297" cy="635000"/>
+          </a:xfrm>
+          <a:prstGeom prst="rect">
+            <a:avLst/>
+          </a:prstGeom>
+          <a:noFill/>
+          <a:ln w="19050">
+            <a:solidFill>
+              <a:schemeClr val="tx1"/>
+            </a:solidFill>
+          </a:ln>
+        </p:spPr>
+        <p:txBody>
+          <a:bodyPr wrap="square" rtlCol="0">
+            <a:spAutoFit/>
+          </a:bodyPr>
+          <a:lstStyle/>
+          <a:p>
+            <a:endParaRPr lang="zh-CN" altLang="en-US" dirty="0"/>
+          </a:p>
+        </p:txBody>
+      </p:sp>
+      <p:sp>
+        <p:nvSpPr>
+          <p:cNvPr id="11" name="文本框 10">
+            <a:extLst>
+              <a:ext uri="{FF2B5EF4-FFF2-40B4-BE49-F238E27FC236}">
+                <a16:creationId xmlns:a16="http://schemas.microsoft.com/office/drawing/2014/main" id="{02A816D5-93D5-3BE6-007A-FAAD28A73BE5}"/>
+              </a:ext>
+            </a:extLst>
+          </p:cNvPr>
+          <p:cNvSpPr txBox="1"/>
+          <p:nvPr/>
+        </p:nvSpPr>
+        <p:spPr>
+          <a:xfrm>
+            <a:off x="6292053" y="2386627"/>
+            <a:ext cx="931071" cy="246221"/>
+          </a:xfrm>
+          <a:prstGeom prst="rect">
+            <a:avLst/>
+          </a:prstGeom>
+          <a:noFill/>
+        </p:spPr>
+        <p:txBody>
+          <a:bodyPr wrap="square" rtlCol="0">
+            <a:spAutoFit/>
+          </a:bodyPr>
+          <a:lstStyle/>
+          <a:p>
+            <a:pPr algn="ctr"/>
+            <a:r>
+              <a:rPr lang="zh-CN" altLang="en-US" sz="1000" dirty="0"/>
+              <a:t>单按键操作</a:t>
+            </a:r>
+          </a:p>
+        </p:txBody>
+      </p:sp>
+      <p:sp>
+        <p:nvSpPr>
+          <p:cNvPr id="12" name="文本框 11">
+            <a:extLst>
+              <a:ext uri="{FF2B5EF4-FFF2-40B4-BE49-F238E27FC236}">
+                <a16:creationId xmlns:a16="http://schemas.microsoft.com/office/drawing/2014/main" id="{C7314F71-0A78-692B-2CF4-1726769F19A0}"/>
+              </a:ext>
+            </a:extLst>
+          </p:cNvPr>
+          <p:cNvSpPr txBox="1"/>
+          <p:nvPr/>
+        </p:nvSpPr>
+        <p:spPr>
+          <a:xfrm>
+            <a:off x="4750991" y="4338538"/>
+            <a:ext cx="1003297" cy="635000"/>
+          </a:xfrm>
+          <a:prstGeom prst="rect">
+            <a:avLst/>
+          </a:prstGeom>
+          <a:noFill/>
+          <a:ln w="19050">
+            <a:solidFill>
+              <a:schemeClr val="tx1"/>
+            </a:solidFill>
+          </a:ln>
+        </p:spPr>
+        <p:txBody>
+          <a:bodyPr wrap="square" rtlCol="0">
+            <a:spAutoFit/>
+          </a:bodyPr>
+          <a:lstStyle/>
+          <a:p>
+            <a:endParaRPr lang="zh-CN" altLang="en-US" dirty="0"/>
+          </a:p>
+        </p:txBody>
+      </p:sp>
+      <p:sp>
+        <p:nvSpPr>
+          <p:cNvPr id="13" name="文本框 12">
+            <a:extLst>
+              <a:ext uri="{FF2B5EF4-FFF2-40B4-BE49-F238E27FC236}">
+                <a16:creationId xmlns:a16="http://schemas.microsoft.com/office/drawing/2014/main" id="{D89F8E45-AF2B-A242-594A-339FE5E53560}"/>
+              </a:ext>
+            </a:extLst>
+          </p:cNvPr>
+          <p:cNvSpPr txBox="1"/>
+          <p:nvPr/>
+        </p:nvSpPr>
+        <p:spPr>
+          <a:xfrm>
+            <a:off x="4787103" y="4519483"/>
+            <a:ext cx="931071" cy="400110"/>
+          </a:xfrm>
+          <a:prstGeom prst="rect">
+            <a:avLst/>
+          </a:prstGeom>
+          <a:noFill/>
+        </p:spPr>
+        <p:txBody>
+          <a:bodyPr wrap="square" rtlCol="0">
+            <a:spAutoFit/>
+          </a:bodyPr>
+          <a:lstStyle/>
+          <a:p>
+            <a:pPr algn="ctr"/>
+            <a:r>
+              <a:rPr lang="en-US" altLang="zh-CN" sz="1000" dirty="0"/>
+              <a:t>SD</a:t>
+            </a:r>
+            <a:r>
+              <a:rPr lang="zh-CN" altLang="en-US" sz="1000" dirty="0"/>
+              <a:t>卡参数保存</a:t>
+            </a:r>
+          </a:p>
+        </p:txBody>
+      </p:sp>
+      <p:sp>
+        <p:nvSpPr>
+          <p:cNvPr id="14" name="文本框 13">
+            <a:extLst>
+              <a:ext uri="{FF2B5EF4-FFF2-40B4-BE49-F238E27FC236}">
+                <a16:creationId xmlns:a16="http://schemas.microsoft.com/office/drawing/2014/main" id="{82070D88-318C-BE4C-8FA4-3ED6E6F661F4}"/>
+              </a:ext>
+            </a:extLst>
+          </p:cNvPr>
+          <p:cNvSpPr txBox="1"/>
+          <p:nvPr/>
+        </p:nvSpPr>
+        <p:spPr>
+          <a:xfrm>
+            <a:off x="6255941" y="3265388"/>
+            <a:ext cx="1003297" cy="635000"/>
+          </a:xfrm>
+          <a:prstGeom prst="rect">
+            <a:avLst/>
+          </a:prstGeom>
+          <a:noFill/>
+          <a:ln w="19050">
+            <a:solidFill>
+              <a:schemeClr val="tx1"/>
+            </a:solidFill>
+          </a:ln>
+        </p:spPr>
+        <p:txBody>
+          <a:bodyPr wrap="square" rtlCol="0">
+            <a:spAutoFit/>
+          </a:bodyPr>
+          <a:lstStyle/>
+          <a:p>
+            <a:endParaRPr lang="zh-CN" altLang="en-US" dirty="0"/>
+          </a:p>
+        </p:txBody>
+      </p:sp>
+      <p:sp>
+        <p:nvSpPr>
+          <p:cNvPr id="15" name="文本框 14">
+            <a:extLst>
+              <a:ext uri="{FF2B5EF4-FFF2-40B4-BE49-F238E27FC236}">
+                <a16:creationId xmlns:a16="http://schemas.microsoft.com/office/drawing/2014/main" id="{D6794ECA-C40E-8565-3231-667E48009C0D}"/>
+              </a:ext>
+            </a:extLst>
+          </p:cNvPr>
+          <p:cNvSpPr txBox="1"/>
+          <p:nvPr/>
+        </p:nvSpPr>
+        <p:spPr>
+          <a:xfrm>
+            <a:off x="6292053" y="3459777"/>
+            <a:ext cx="931071" cy="400110"/>
+          </a:xfrm>
+          <a:prstGeom prst="rect">
+            <a:avLst/>
+          </a:prstGeom>
+          <a:noFill/>
+        </p:spPr>
+        <p:txBody>
+          <a:bodyPr wrap="square" rtlCol="0">
+            <a:spAutoFit/>
+          </a:bodyPr>
+          <a:lstStyle/>
+          <a:p>
+            <a:pPr algn="ctr"/>
+            <a:r>
+              <a:rPr lang="zh-CN" altLang="en-US" sz="1000" dirty="0"/>
+              <a:t>触发调试事件</a:t>
+            </a:r>
+          </a:p>
+        </p:txBody>
+      </p:sp>
+      <p:cxnSp>
+        <p:nvCxnSpPr>
+          <p:cNvPr id="17" name="连接符: 肘形 16">
+            <a:extLst>
+              <a:ext uri="{FF2B5EF4-FFF2-40B4-BE49-F238E27FC236}">
+                <a16:creationId xmlns:a16="http://schemas.microsoft.com/office/drawing/2014/main" id="{A84A7E4E-2EA7-D20A-F456-F662CDED5C26}"/>
+              </a:ext>
+            </a:extLst>
+          </p:cNvPr>
+          <p:cNvCxnSpPr>
+            <a:cxnSpLocks/>
+            <a:stCxn id="4" idx="2"/>
+            <a:endCxn id="6" idx="0"/>
+          </p:cNvCxnSpPr>
+          <p:nvPr/>
+        </p:nvCxnSpPr>
+        <p:spPr>
+          <a:xfrm rot="5400000">
+            <a:off x="5343970" y="1527920"/>
+            <a:ext cx="572988" cy="755648"/>
+          </a:xfrm>
+          <a:prstGeom prst="bentConnector3">
+            <a:avLst/>
+          </a:prstGeom>
+          <a:ln w="12700">
+            <a:solidFill>
+              <a:schemeClr val="tx1"/>
+            </a:solidFill>
+            <a:tailEnd type="triangle"/>
+          </a:ln>
+        </p:spPr>
+        <p:style>
+          <a:lnRef idx="1">
+            <a:schemeClr val="dk1"/>
+          </a:lnRef>
+          <a:fillRef idx="0">
+            <a:schemeClr val="dk1"/>
+          </a:fillRef>
+          <a:effectRef idx="0">
+            <a:schemeClr val="dk1"/>
+          </a:effectRef>
+          <a:fontRef idx="minor">
+            <a:schemeClr val="tx1"/>
+          </a:fontRef>
+        </p:style>
+      </p:cxnSp>
+      <p:cxnSp>
+        <p:nvCxnSpPr>
+          <p:cNvPr id="20" name="连接符: 肘形 19">
+            <a:extLst>
+              <a:ext uri="{FF2B5EF4-FFF2-40B4-BE49-F238E27FC236}">
+                <a16:creationId xmlns:a16="http://schemas.microsoft.com/office/drawing/2014/main" id="{04932FBA-4CDB-D906-ACA8-98D097097767}"/>
+              </a:ext>
+            </a:extLst>
+          </p:cNvPr>
+          <p:cNvCxnSpPr>
+            <a:cxnSpLocks/>
+            <a:endCxn id="10" idx="0"/>
+          </p:cNvCxnSpPr>
+          <p:nvPr/>
+        </p:nvCxnSpPr>
+        <p:spPr>
+          <a:xfrm>
+            <a:off x="6001941" y="1905742"/>
+            <a:ext cx="755649" cy="286496"/>
+          </a:xfrm>
+          <a:prstGeom prst="bentConnector2">
+            <a:avLst/>
+          </a:prstGeom>
+          <a:ln w="12700">
+            <a:solidFill>
+              <a:schemeClr val="tx1"/>
+            </a:solidFill>
+            <a:tailEnd type="triangle"/>
+          </a:ln>
+        </p:spPr>
+        <p:style>
+          <a:lnRef idx="1">
+            <a:schemeClr val="accent1"/>
+          </a:lnRef>
+          <a:fillRef idx="0">
+            <a:schemeClr val="accent1"/>
+          </a:fillRef>
+          <a:effectRef idx="0">
+            <a:schemeClr val="accent1"/>
+          </a:effectRef>
+          <a:fontRef idx="minor">
+            <a:schemeClr val="tx1"/>
+          </a:fontRef>
+        </p:style>
+      </p:cxnSp>
+      <p:cxnSp>
+        <p:nvCxnSpPr>
+          <p:cNvPr id="24" name="直接箭头连接符 23">
+            <a:extLst>
+              <a:ext uri="{FF2B5EF4-FFF2-40B4-BE49-F238E27FC236}">
+                <a16:creationId xmlns:a16="http://schemas.microsoft.com/office/drawing/2014/main" id="{E86041E1-6BE7-F311-19C6-3B434320D6CB}"/>
+              </a:ext>
+            </a:extLst>
+          </p:cNvPr>
+          <p:cNvCxnSpPr>
+            <a:cxnSpLocks/>
+            <a:stCxn id="6" idx="2"/>
+            <a:endCxn id="8" idx="0"/>
+          </p:cNvCxnSpPr>
+          <p:nvPr/>
+        </p:nvCxnSpPr>
+        <p:spPr>
+          <a:xfrm>
+            <a:off x="5252640" y="2827238"/>
+            <a:ext cx="0" cy="438150"/>
+          </a:xfrm>
+          <a:prstGeom prst="straightConnector1">
+            <a:avLst/>
+          </a:prstGeom>
+          <a:ln w="12700">
+            <a:solidFill>
+              <a:schemeClr val="tx1"/>
+            </a:solidFill>
+            <a:tailEnd type="triangle"/>
+          </a:ln>
+        </p:spPr>
+        <p:style>
+          <a:lnRef idx="1">
+            <a:schemeClr val="accent1"/>
+          </a:lnRef>
+          <a:fillRef idx="0">
+            <a:schemeClr val="accent1"/>
+          </a:fillRef>
+          <a:effectRef idx="0">
+            <a:schemeClr val="accent1"/>
+          </a:effectRef>
+          <a:fontRef idx="minor">
+            <a:schemeClr val="tx1"/>
+          </a:fontRef>
+        </p:style>
+      </p:cxnSp>
+      <p:cxnSp>
+        <p:nvCxnSpPr>
+          <p:cNvPr id="26" name="直接箭头连接符 25">
+            <a:extLst>
+              <a:ext uri="{FF2B5EF4-FFF2-40B4-BE49-F238E27FC236}">
+                <a16:creationId xmlns:a16="http://schemas.microsoft.com/office/drawing/2014/main" id="{399A6C93-481E-1D30-8699-89D95CA999CF}"/>
+              </a:ext>
+            </a:extLst>
+          </p:cNvPr>
+          <p:cNvCxnSpPr>
+            <a:cxnSpLocks/>
+          </p:cNvCxnSpPr>
+          <p:nvPr/>
+        </p:nvCxnSpPr>
+        <p:spPr>
+          <a:xfrm>
+            <a:off x="5252638" y="3900388"/>
+            <a:ext cx="0" cy="438150"/>
+          </a:xfrm>
+          <a:prstGeom prst="straightConnector1">
+            <a:avLst/>
+          </a:prstGeom>
+          <a:ln w="12700">
+            <a:solidFill>
+              <a:schemeClr val="tx1"/>
+            </a:solidFill>
+            <a:tailEnd type="triangle"/>
+          </a:ln>
+        </p:spPr>
+        <p:style>
+          <a:lnRef idx="1">
+            <a:schemeClr val="accent1"/>
+          </a:lnRef>
+          <a:fillRef idx="0">
+            <a:schemeClr val="accent1"/>
+          </a:fillRef>
+          <a:effectRef idx="0">
+            <a:schemeClr val="accent1"/>
+          </a:effectRef>
+          <a:fontRef idx="minor">
+            <a:schemeClr val="tx1"/>
+          </a:fontRef>
+        </p:style>
+      </p:cxnSp>
+      <p:cxnSp>
+        <p:nvCxnSpPr>
+          <p:cNvPr id="27" name="直接箭头连接符 26">
+            <a:extLst>
+              <a:ext uri="{FF2B5EF4-FFF2-40B4-BE49-F238E27FC236}">
+                <a16:creationId xmlns:a16="http://schemas.microsoft.com/office/drawing/2014/main" id="{6B7F72F6-9741-11DE-A3B3-AC867770A2D4}"/>
+              </a:ext>
+            </a:extLst>
+          </p:cNvPr>
+          <p:cNvCxnSpPr>
+            <a:cxnSpLocks/>
+          </p:cNvCxnSpPr>
+          <p:nvPr/>
+        </p:nvCxnSpPr>
+        <p:spPr>
+          <a:xfrm>
+            <a:off x="6757590" y="2827238"/>
+            <a:ext cx="0" cy="438150"/>
+          </a:xfrm>
+          <a:prstGeom prst="straightConnector1">
+            <a:avLst/>
+          </a:prstGeom>
+          <a:ln w="12700">
+            <a:solidFill>
+              <a:schemeClr val="tx1"/>
+            </a:solidFill>
+            <a:tailEnd type="triangle"/>
+          </a:ln>
+        </p:spPr>
+        <p:style>
+          <a:lnRef idx="1">
+            <a:schemeClr val="accent1"/>
+          </a:lnRef>
+          <a:fillRef idx="0">
+            <a:schemeClr val="accent1"/>
+          </a:fillRef>
+          <a:effectRef idx="0">
+            <a:schemeClr val="accent1"/>
+          </a:effectRef>
+          <a:fontRef idx="minor">
+            <a:schemeClr val="tx1"/>
+          </a:fontRef>
+        </p:style>
+      </p:cxnSp>
+      <p:sp>
+        <p:nvSpPr>
+          <p:cNvPr id="28" name="矩形: 圆角 27">
+            <a:extLst>
+              <a:ext uri="{FF2B5EF4-FFF2-40B4-BE49-F238E27FC236}">
+                <a16:creationId xmlns:a16="http://schemas.microsoft.com/office/drawing/2014/main" id="{D5D61B45-2153-FA59-AF1F-CF8DB8C1C4FD}"/>
+              </a:ext>
+            </a:extLst>
+          </p:cNvPr>
+          <p:cNvSpPr/>
+          <p:nvPr/>
+        </p:nvSpPr>
+        <p:spPr>
+          <a:xfrm>
+            <a:off x="5506638" y="5411688"/>
+            <a:ext cx="1003300" cy="508000"/>
+          </a:xfrm>
+          <a:prstGeom prst="roundRect">
+            <a:avLst/>
+          </a:prstGeom>
+          <a:noFill/>
+          <a:ln w="19050"/>
+        </p:spPr>
+        <p:style>
+          <a:lnRef idx="2">
+            <a:schemeClr val="accent1">
+              <a:shade val="15000"/>
+            </a:schemeClr>
+          </a:lnRef>
+          <a:fillRef idx="1">
+            <a:schemeClr val="accent1"/>
+          </a:fillRef>
+          <a:effectRef idx="0">
+            <a:schemeClr val="accent1"/>
+          </a:effectRef>
+          <a:fontRef idx="minor">
+            <a:schemeClr val="lt1"/>
+          </a:fontRef>
+        </p:style>
+        <p:txBody>
+          <a:bodyPr rtlCol="0" anchor="ctr"/>
+          <a:lstStyle/>
+          <a:p>
+            <a:pPr algn="ctr"/>
+            <a:endParaRPr lang="zh-CN" altLang="en-US">
+              <a:solidFill>
+                <a:schemeClr val="bg1"/>
+              </a:solidFill>
+            </a:endParaRPr>
+          </a:p>
+        </p:txBody>
+      </p:sp>
+      <p:sp>
+        <p:nvSpPr>
+          <p:cNvPr id="29" name="文本框 28">
+            <a:extLst>
+              <a:ext uri="{FF2B5EF4-FFF2-40B4-BE49-F238E27FC236}">
+                <a16:creationId xmlns:a16="http://schemas.microsoft.com/office/drawing/2014/main" id="{856B9D24-FABA-FF30-5FA4-3DEE2938404B}"/>
+              </a:ext>
+            </a:extLst>
+          </p:cNvPr>
+          <p:cNvSpPr txBox="1"/>
+          <p:nvPr/>
+        </p:nvSpPr>
+        <p:spPr>
+          <a:xfrm>
+            <a:off x="5754288" y="5511799"/>
+            <a:ext cx="755650" cy="307777"/>
+          </a:xfrm>
+          <a:prstGeom prst="rect">
+            <a:avLst/>
+          </a:prstGeom>
+          <a:noFill/>
+        </p:spPr>
+        <p:txBody>
+          <a:bodyPr wrap="square" rtlCol="0">
+            <a:spAutoFit/>
+          </a:bodyPr>
+          <a:lstStyle/>
+          <a:p>
+            <a:r>
+              <a:rPr lang="zh-CN" altLang="en-US" sz="1400" dirty="0"/>
+              <a:t>结束</a:t>
+            </a:r>
+          </a:p>
+        </p:txBody>
+      </p:sp>
+      <p:cxnSp>
+        <p:nvCxnSpPr>
+          <p:cNvPr id="31" name="连接符: 肘形 30">
+            <a:extLst>
+              <a:ext uri="{FF2B5EF4-FFF2-40B4-BE49-F238E27FC236}">
+                <a16:creationId xmlns:a16="http://schemas.microsoft.com/office/drawing/2014/main" id="{B161DB0C-306B-8C22-4C23-8E360AA483B9}"/>
+              </a:ext>
+            </a:extLst>
+          </p:cNvPr>
+          <p:cNvCxnSpPr>
+            <a:cxnSpLocks/>
+            <a:stCxn id="12" idx="2"/>
+            <a:endCxn id="28" idx="0"/>
+          </p:cNvCxnSpPr>
+          <p:nvPr/>
+        </p:nvCxnSpPr>
+        <p:spPr>
+          <a:xfrm rot="16200000" flipH="1">
+            <a:off x="5411389" y="4814789"/>
+            <a:ext cx="438150" cy="755648"/>
+          </a:xfrm>
+          <a:prstGeom prst="bentConnector3">
+            <a:avLst/>
+          </a:prstGeom>
+          <a:ln w="12700">
+            <a:solidFill>
+              <a:schemeClr val="tx1"/>
+            </a:solidFill>
+            <a:tailEnd type="triangle"/>
+          </a:ln>
+        </p:spPr>
+        <p:style>
+          <a:lnRef idx="1">
+            <a:schemeClr val="accent1"/>
+          </a:lnRef>
+          <a:fillRef idx="0">
+            <a:schemeClr val="accent1"/>
+          </a:fillRef>
+          <a:effectRef idx="0">
+            <a:schemeClr val="accent1"/>
+          </a:effectRef>
+          <a:fontRef idx="minor">
+            <a:schemeClr val="tx1"/>
+          </a:fontRef>
+        </p:style>
+      </p:cxnSp>
+      <p:cxnSp>
+        <p:nvCxnSpPr>
+          <p:cNvPr id="34" name="连接符: 肘形 33">
+            <a:extLst>
+              <a:ext uri="{FF2B5EF4-FFF2-40B4-BE49-F238E27FC236}">
+                <a16:creationId xmlns:a16="http://schemas.microsoft.com/office/drawing/2014/main" id="{DCA80A98-812C-51FA-AB47-CFA66BB343BF}"/>
+              </a:ext>
+            </a:extLst>
+          </p:cNvPr>
+          <p:cNvCxnSpPr>
+            <a:cxnSpLocks/>
+            <a:stCxn id="14" idx="2"/>
+          </p:cNvCxnSpPr>
+          <p:nvPr/>
+        </p:nvCxnSpPr>
+        <p:spPr>
+          <a:xfrm rot="5400000">
+            <a:off x="5735985" y="4166345"/>
+            <a:ext cx="1287562" cy="755649"/>
+          </a:xfrm>
+          <a:prstGeom prst="bentConnector3">
+            <a:avLst>
+              <a:gd name="adj1" fmla="val 100304"/>
+            </a:avLst>
+          </a:prstGeom>
+          <a:ln w="12700">
+            <a:solidFill>
+              <a:schemeClr val="tx1"/>
+            </a:solidFill>
+          </a:ln>
+        </p:spPr>
+        <p:style>
+          <a:lnRef idx="1">
+            <a:schemeClr val="accent1"/>
+          </a:lnRef>
+          <a:fillRef idx="0">
+            <a:schemeClr val="accent1"/>
+          </a:fillRef>
+          <a:effectRef idx="0">
+            <a:schemeClr val="accent1"/>
+          </a:effectRef>
+          <a:fontRef idx="minor">
+            <a:schemeClr val="tx1"/>
+          </a:fontRef>
+        </p:style>
+      </p:cxnSp>
+    </p:spTree>
+    <p:extLst>
+      <p:ext uri="{BB962C8B-B14F-4D97-AF65-F5344CB8AC3E}">
+        <p14:creationId xmlns:p14="http://schemas.microsoft.com/office/powerpoint/2010/main" val="3365162870"/>
       </p:ext>
     </p:extLst>
   </p:cSld>
